--- a/Slides/06. Direct3D.pptx
+++ b/Slides/06. Direct3D.pptx
@@ -152,7 +152,7 @@
 <file path=ppt/revisionInfo.xml><?xml version="1.0" encoding="utf-8"?>
 <p1510:revInfo xmlns:a="http://schemas.openxmlformats.org/drawingml/2006/main" xmlns:r="http://schemas.openxmlformats.org/officeDocument/2006/relationships" xmlns:p1510="http://schemas.microsoft.com/office/powerpoint/2015/10/main">
   <p1510:revLst>
-    <p1510:client id="{EBADDEAC-E55A-4B24-8A10-DDA888254F04}" v="14" dt="2021-08-09T01:18:59.523"/>
+    <p1510:client id="{EBADDEAC-E55A-4B24-8A10-DDA888254F04}" v="16" dt="2021-08-09T01:51:13.842"/>
   </p1510:revLst>
 </p1510:revInfo>
 </file>
@@ -1715,8 +1715,8 @@
   </pc:docChgLst>
   <pc:docChgLst>
     <pc:chgData name="Judson Santiago" userId="ebb108da2f256286" providerId="LiveId" clId="{EBADDEAC-E55A-4B24-8A10-DDA888254F04}"/>
-    <pc:docChg chg="undo custSel delSld modSld">
-      <pc:chgData name="Judson Santiago" userId="ebb108da2f256286" providerId="LiveId" clId="{EBADDEAC-E55A-4B24-8A10-DDA888254F04}" dt="2021-08-09T01:20:27.430" v="509" actId="20577"/>
+    <pc:docChg chg="undo redo custSel delSld modSld">
+      <pc:chgData name="Judson Santiago" userId="ebb108da2f256286" providerId="LiveId" clId="{EBADDEAC-E55A-4B24-8A10-DDA888254F04}" dt="2021-08-09T01:56:33.563" v="659" actId="20577"/>
       <pc:docMkLst>
         <pc:docMk/>
       </pc:docMkLst>
@@ -2034,13 +2034,13 @@
         </pc:sldMkLst>
       </pc:sldChg>
       <pc:sldChg chg="addSp delSp modSp mod modTransition setBg modNotesTx">
-        <pc:chgData name="Judson Santiago" userId="ebb108da2f256286" providerId="LiveId" clId="{EBADDEAC-E55A-4B24-8A10-DDA888254F04}" dt="2021-08-09T01:18:59.523" v="498"/>
+        <pc:chgData name="Judson Santiago" userId="ebb108da2f256286" providerId="LiveId" clId="{EBADDEAC-E55A-4B24-8A10-DDA888254F04}" dt="2021-08-09T01:56:33.563" v="659" actId="20577"/>
         <pc:sldMkLst>
           <pc:docMk/>
           <pc:sldMk cId="3920245211" sldId="383"/>
         </pc:sldMkLst>
         <pc:spChg chg="mod">
-          <ac:chgData name="Judson Santiago" userId="ebb108da2f256286" providerId="LiveId" clId="{EBADDEAC-E55A-4B24-8A10-DDA888254F04}" dt="2021-08-09T00:02:07.855" v="170" actId="207"/>
+          <ac:chgData name="Judson Santiago" userId="ebb108da2f256286" providerId="LiveId" clId="{EBADDEAC-E55A-4B24-8A10-DDA888254F04}" dt="2021-08-09T01:56:33.563" v="659" actId="20577"/>
           <ac:spMkLst>
             <pc:docMk/>
             <pc:sldMk cId="3920245211" sldId="383"/>
@@ -2048,7 +2048,7 @@
           </ac:spMkLst>
         </pc:spChg>
         <pc:spChg chg="mod topLvl">
-          <ac:chgData name="Judson Santiago" userId="ebb108da2f256286" providerId="LiveId" clId="{EBADDEAC-E55A-4B24-8A10-DDA888254F04}" dt="2021-08-08T23:55:14.063" v="128" actId="164"/>
+          <ac:chgData name="Judson Santiago" userId="ebb108da2f256286" providerId="LiveId" clId="{EBADDEAC-E55A-4B24-8A10-DDA888254F04}" dt="2021-08-09T01:53:31.508" v="587" actId="1076"/>
           <ac:spMkLst>
             <pc:docMk/>
             <pc:sldMk cId="3920245211" sldId="383"/>
@@ -2064,7 +2064,7 @@
           </ac:spMkLst>
         </pc:spChg>
         <pc:spChg chg="mod topLvl">
-          <ac:chgData name="Judson Santiago" userId="ebb108da2f256286" providerId="LiveId" clId="{EBADDEAC-E55A-4B24-8A10-DDA888254F04}" dt="2021-08-08T23:55:14.063" v="128" actId="164"/>
+          <ac:chgData name="Judson Santiago" userId="ebb108da2f256286" providerId="LiveId" clId="{EBADDEAC-E55A-4B24-8A10-DDA888254F04}" dt="2021-08-09T01:53:31.508" v="587" actId="1076"/>
           <ac:spMkLst>
             <pc:docMk/>
             <pc:sldMk cId="3920245211" sldId="383"/>
@@ -2072,7 +2072,7 @@
           </ac:spMkLst>
         </pc:spChg>
         <pc:spChg chg="mod topLvl">
-          <ac:chgData name="Judson Santiago" userId="ebb108da2f256286" providerId="LiveId" clId="{EBADDEAC-E55A-4B24-8A10-DDA888254F04}" dt="2021-08-08T23:55:14.063" v="128" actId="164"/>
+          <ac:chgData name="Judson Santiago" userId="ebb108da2f256286" providerId="LiveId" clId="{EBADDEAC-E55A-4B24-8A10-DDA888254F04}" dt="2021-08-09T01:53:31.508" v="587" actId="1076"/>
           <ac:spMkLst>
             <pc:docMk/>
             <pc:sldMk cId="3920245211" sldId="383"/>
@@ -2104,7 +2104,7 @@
           </ac:spMkLst>
         </pc:spChg>
         <pc:spChg chg="mod topLvl">
-          <ac:chgData name="Judson Santiago" userId="ebb108da2f256286" providerId="LiveId" clId="{EBADDEAC-E55A-4B24-8A10-DDA888254F04}" dt="2021-08-08T23:55:14.063" v="128" actId="164"/>
+          <ac:chgData name="Judson Santiago" userId="ebb108da2f256286" providerId="LiveId" clId="{EBADDEAC-E55A-4B24-8A10-DDA888254F04}" dt="2021-08-09T01:53:31.508" v="587" actId="1076"/>
           <ac:spMkLst>
             <pc:docMk/>
             <pc:sldMk cId="3920245211" sldId="383"/>
@@ -2136,7 +2136,7 @@
           </ac:spMkLst>
         </pc:spChg>
         <pc:spChg chg="mod topLvl">
-          <ac:chgData name="Judson Santiago" userId="ebb108da2f256286" providerId="LiveId" clId="{EBADDEAC-E55A-4B24-8A10-DDA888254F04}" dt="2021-08-08T23:55:14.063" v="128" actId="164"/>
+          <ac:chgData name="Judson Santiago" userId="ebb108da2f256286" providerId="LiveId" clId="{EBADDEAC-E55A-4B24-8A10-DDA888254F04}" dt="2021-08-09T01:53:31.508" v="587" actId="1076"/>
           <ac:spMkLst>
             <pc:docMk/>
             <pc:sldMk cId="3920245211" sldId="383"/>
@@ -2144,7 +2144,7 @@
           </ac:spMkLst>
         </pc:spChg>
         <pc:spChg chg="mod topLvl">
-          <ac:chgData name="Judson Santiago" userId="ebb108da2f256286" providerId="LiveId" clId="{EBADDEAC-E55A-4B24-8A10-DDA888254F04}" dt="2021-08-08T23:55:14.063" v="128" actId="164"/>
+          <ac:chgData name="Judson Santiago" userId="ebb108da2f256286" providerId="LiveId" clId="{EBADDEAC-E55A-4B24-8A10-DDA888254F04}" dt="2021-08-09T01:53:31.508" v="587" actId="1076"/>
           <ac:spMkLst>
             <pc:docMk/>
             <pc:sldMk cId="3920245211" sldId="383"/>
@@ -2152,7 +2152,7 @@
           </ac:spMkLst>
         </pc:spChg>
         <pc:spChg chg="mod topLvl">
-          <ac:chgData name="Judson Santiago" userId="ebb108da2f256286" providerId="LiveId" clId="{EBADDEAC-E55A-4B24-8A10-DDA888254F04}" dt="2021-08-08T23:55:14.063" v="128" actId="164"/>
+          <ac:chgData name="Judson Santiago" userId="ebb108da2f256286" providerId="LiveId" clId="{EBADDEAC-E55A-4B24-8A10-DDA888254F04}" dt="2021-08-09T01:53:31.508" v="587" actId="1076"/>
           <ac:spMkLst>
             <pc:docMk/>
             <pc:sldMk cId="3920245211" sldId="383"/>
@@ -2160,11 +2160,35 @@
           </ac:spMkLst>
         </pc:spChg>
         <pc:spChg chg="mod topLvl">
-          <ac:chgData name="Judson Santiago" userId="ebb108da2f256286" providerId="LiveId" clId="{EBADDEAC-E55A-4B24-8A10-DDA888254F04}" dt="2021-08-08T23:55:14.063" v="128" actId="164"/>
+          <ac:chgData name="Judson Santiago" userId="ebb108da2f256286" providerId="LiveId" clId="{EBADDEAC-E55A-4B24-8A10-DDA888254F04}" dt="2021-08-09T01:53:31.508" v="587" actId="1076"/>
           <ac:spMkLst>
             <pc:docMk/>
             <pc:sldMk cId="3920245211" sldId="383"/>
             <ac:spMk id="21" creationId="{C1D14B3F-87AD-4D2C-B65D-7E7F5A2E36D6}"/>
+          </ac:spMkLst>
+        </pc:spChg>
+        <pc:spChg chg="mod">
+          <ac:chgData name="Judson Santiago" userId="ebb108da2f256286" providerId="LiveId" clId="{EBADDEAC-E55A-4B24-8A10-DDA888254F04}" dt="2021-08-09T01:51:04.421" v="510"/>
+          <ac:spMkLst>
+            <pc:docMk/>
+            <pc:sldMk cId="3920245211" sldId="383"/>
+            <ac:spMk id="25" creationId="{0BC0E544-9785-4D30-907A-BACC2F82B678}"/>
+          </ac:spMkLst>
+        </pc:spChg>
+        <pc:spChg chg="mod">
+          <ac:chgData name="Judson Santiago" userId="ebb108da2f256286" providerId="LiveId" clId="{EBADDEAC-E55A-4B24-8A10-DDA888254F04}" dt="2021-08-09T01:51:04.421" v="510"/>
+          <ac:spMkLst>
+            <pc:docMk/>
+            <pc:sldMk cId="3920245211" sldId="383"/>
+            <ac:spMk id="26" creationId="{8E61FF5F-A924-443E-8CC6-635CAFC60AAD}"/>
+          </ac:spMkLst>
+        </pc:spChg>
+        <pc:spChg chg="mod">
+          <ac:chgData name="Judson Santiago" userId="ebb108da2f256286" providerId="LiveId" clId="{EBADDEAC-E55A-4B24-8A10-DDA888254F04}" dt="2021-08-09T01:51:04.421" v="510"/>
+          <ac:spMkLst>
+            <pc:docMk/>
+            <pc:sldMk cId="3920245211" sldId="383"/>
+            <ac:spMk id="28" creationId="{25EE9289-0CE4-48A1-A863-DE1994692FE7}"/>
           </ac:spMkLst>
         </pc:spChg>
         <pc:spChg chg="del mod topLvl">
@@ -2175,12 +2199,28 @@
             <ac:spMk id="28" creationId="{60035FD7-5AC5-4411-BA4C-F95FF2D9322C}"/>
           </ac:spMkLst>
         </pc:spChg>
+        <pc:spChg chg="mod">
+          <ac:chgData name="Judson Santiago" userId="ebb108da2f256286" providerId="LiveId" clId="{EBADDEAC-E55A-4B24-8A10-DDA888254F04}" dt="2021-08-09T01:51:04.421" v="510"/>
+          <ac:spMkLst>
+            <pc:docMk/>
+            <pc:sldMk cId="3920245211" sldId="383"/>
+            <ac:spMk id="29" creationId="{0EDF78B9-FEA8-4E55-92A9-52418591D4EE}"/>
+          </ac:spMkLst>
+        </pc:spChg>
         <pc:spChg chg="del mod topLvl">
           <ac:chgData name="Judson Santiago" userId="ebb108da2f256286" providerId="LiveId" clId="{EBADDEAC-E55A-4B24-8A10-DDA888254F04}" dt="2021-08-08T23:53:08.608" v="94" actId="478"/>
           <ac:spMkLst>
             <pc:docMk/>
             <pc:sldMk cId="3920245211" sldId="383"/>
             <ac:spMk id="30" creationId="{54759568-DDBB-41A3-9DD7-F130D83F08A2}"/>
+          </ac:spMkLst>
+        </pc:spChg>
+        <pc:spChg chg="mod">
+          <ac:chgData name="Judson Santiago" userId="ebb108da2f256286" providerId="LiveId" clId="{EBADDEAC-E55A-4B24-8A10-DDA888254F04}" dt="2021-08-09T01:51:04.421" v="510"/>
+          <ac:spMkLst>
+            <pc:docMk/>
+            <pc:sldMk cId="3920245211" sldId="383"/>
+            <ac:spMk id="30" creationId="{B385D4DB-1D03-4F07-844C-C50DD119A826}"/>
           </ac:spMkLst>
         </pc:spChg>
         <pc:spChg chg="del mod topLvl">
@@ -2191,12 +2231,36 @@
             <ac:spMk id="31" creationId="{B99711E9-F3CA-4C2F-AA95-29CF227075EB}"/>
           </ac:spMkLst>
         </pc:spChg>
+        <pc:spChg chg="mod">
+          <ac:chgData name="Judson Santiago" userId="ebb108da2f256286" providerId="LiveId" clId="{EBADDEAC-E55A-4B24-8A10-DDA888254F04}" dt="2021-08-09T01:51:04.421" v="510"/>
+          <ac:spMkLst>
+            <pc:docMk/>
+            <pc:sldMk cId="3920245211" sldId="383"/>
+            <ac:spMk id="32" creationId="{BEC05C86-796E-41A7-954D-68E4E4FD4017}"/>
+          </ac:spMkLst>
+        </pc:spChg>
+        <pc:spChg chg="mod">
+          <ac:chgData name="Judson Santiago" userId="ebb108da2f256286" providerId="LiveId" clId="{EBADDEAC-E55A-4B24-8A10-DDA888254F04}" dt="2021-08-09T01:54:21.699" v="596" actId="1076"/>
+          <ac:spMkLst>
+            <pc:docMk/>
+            <pc:sldMk cId="3920245211" sldId="383"/>
+            <ac:spMk id="33" creationId="{AF38B06E-F64A-45C2-9CC0-FAEBB23F6C4E}"/>
+          </ac:spMkLst>
+        </pc:spChg>
         <pc:spChg chg="del mod topLvl">
           <ac:chgData name="Judson Santiago" userId="ebb108da2f256286" providerId="LiveId" clId="{EBADDEAC-E55A-4B24-8A10-DDA888254F04}" dt="2021-08-08T23:53:08.608" v="94" actId="478"/>
           <ac:spMkLst>
             <pc:docMk/>
             <pc:sldMk cId="3920245211" sldId="383"/>
             <ac:spMk id="33" creationId="{F63E797D-E132-4120-9CC1-A3068AEFBE74}"/>
+          </ac:spMkLst>
+        </pc:spChg>
+        <pc:spChg chg="add mod">
+          <ac:chgData name="Judson Santiago" userId="ebb108da2f256286" providerId="LiveId" clId="{EBADDEAC-E55A-4B24-8A10-DDA888254F04}" dt="2021-08-09T01:54:02.230" v="593" actId="1076"/>
+          <ac:spMkLst>
+            <pc:docMk/>
+            <pc:sldMk cId="3920245211" sldId="383"/>
+            <ac:spMk id="34" creationId="{44BF57B2-6DF7-4024-AE8E-497D33E2DD48}"/>
           </ac:spMkLst>
         </pc:spChg>
         <pc:spChg chg="del mod topLvl">
@@ -2240,7 +2304,7 @@
           </ac:spMkLst>
         </pc:spChg>
         <pc:spChg chg="mod topLvl">
-          <ac:chgData name="Judson Santiago" userId="ebb108da2f256286" providerId="LiveId" clId="{EBADDEAC-E55A-4B24-8A10-DDA888254F04}" dt="2021-08-08T23:55:14.063" v="128" actId="164"/>
+          <ac:chgData name="Judson Santiago" userId="ebb108da2f256286" providerId="LiveId" clId="{EBADDEAC-E55A-4B24-8A10-DDA888254F04}" dt="2021-08-09T01:53:31.508" v="587" actId="1076"/>
           <ac:spMkLst>
             <pc:docMk/>
             <pc:sldMk cId="3920245211" sldId="383"/>
@@ -2248,15 +2312,15 @@
           </ac:spMkLst>
         </pc:spChg>
         <pc:spChg chg="mod topLvl">
-          <ac:chgData name="Judson Santiago" userId="ebb108da2f256286" providerId="LiveId" clId="{EBADDEAC-E55A-4B24-8A10-DDA888254F04}" dt="2021-08-08T23:55:14.063" v="128" actId="164"/>
+          <ac:chgData name="Judson Santiago" userId="ebb108da2f256286" providerId="LiveId" clId="{EBADDEAC-E55A-4B24-8A10-DDA888254F04}" dt="2021-08-09T01:53:31.508" v="587" actId="1076"/>
           <ac:spMkLst>
             <pc:docMk/>
             <pc:sldMk cId="3920245211" sldId="383"/>
             <ac:spMk id="40" creationId="{D2836531-35EB-4A57-BF20-188B43B309AA}"/>
           </ac:spMkLst>
         </pc:spChg>
-        <pc:spChg chg="add mod">
-          <ac:chgData name="Judson Santiago" userId="ebb108da2f256286" providerId="LiveId" clId="{EBADDEAC-E55A-4B24-8A10-DDA888254F04}" dt="2021-08-08T23:55:14.063" v="128" actId="164"/>
+        <pc:spChg chg="add mod topLvl">
+          <ac:chgData name="Judson Santiago" userId="ebb108da2f256286" providerId="LiveId" clId="{EBADDEAC-E55A-4B24-8A10-DDA888254F04}" dt="2021-08-09T01:53:31.508" v="587" actId="1076"/>
           <ac:spMkLst>
             <pc:docMk/>
             <pc:sldMk cId="3920245211" sldId="383"/>
@@ -2288,7 +2352,15 @@
           </ac:grpSpMkLst>
         </pc:grpChg>
         <pc:grpChg chg="add mod">
-          <ac:chgData name="Judson Santiago" userId="ebb108da2f256286" providerId="LiveId" clId="{EBADDEAC-E55A-4B24-8A10-DDA888254F04}" dt="2021-08-09T00:02:49.951" v="172" actId="1076"/>
+          <ac:chgData name="Judson Santiago" userId="ebb108da2f256286" providerId="LiveId" clId="{EBADDEAC-E55A-4B24-8A10-DDA888254F04}" dt="2021-08-09T01:54:02.230" v="593" actId="1076"/>
+          <ac:grpSpMkLst>
+            <pc:docMk/>
+            <pc:sldMk cId="3920245211" sldId="383"/>
+            <ac:grpSpMk id="24" creationId="{EEFCFE4F-DFAB-4C6F-A461-052478395340}"/>
+          </ac:grpSpMkLst>
+        </pc:grpChg>
+        <pc:grpChg chg="add del mod">
+          <ac:chgData name="Judson Santiago" userId="ebb108da2f256286" providerId="LiveId" clId="{EBADDEAC-E55A-4B24-8A10-DDA888254F04}" dt="2021-08-09T01:51:13.842" v="512" actId="165"/>
           <ac:grpSpMkLst>
             <pc:docMk/>
             <pc:sldMk cId="3920245211" sldId="383"/>
@@ -2304,7 +2376,7 @@
           </ac:cxnSpMkLst>
         </pc:cxnChg>
         <pc:cxnChg chg="mod topLvl">
-          <ac:chgData name="Judson Santiago" userId="ebb108da2f256286" providerId="LiveId" clId="{EBADDEAC-E55A-4B24-8A10-DDA888254F04}" dt="2021-08-08T23:55:14.063" v="128" actId="164"/>
+          <ac:chgData name="Judson Santiago" userId="ebb108da2f256286" providerId="LiveId" clId="{EBADDEAC-E55A-4B24-8A10-DDA888254F04}" dt="2021-08-09T01:53:31.508" v="587" actId="1076"/>
           <ac:cxnSpMkLst>
             <pc:docMk/>
             <pc:sldMk cId="3920245211" sldId="383"/>
@@ -2312,7 +2384,7 @@
           </ac:cxnSpMkLst>
         </pc:cxnChg>
         <pc:cxnChg chg="mod topLvl">
-          <ac:chgData name="Judson Santiago" userId="ebb108da2f256286" providerId="LiveId" clId="{EBADDEAC-E55A-4B24-8A10-DDA888254F04}" dt="2021-08-08T23:55:14.063" v="128" actId="164"/>
+          <ac:chgData name="Judson Santiago" userId="ebb108da2f256286" providerId="LiveId" clId="{EBADDEAC-E55A-4B24-8A10-DDA888254F04}" dt="2021-08-09T01:53:31.508" v="587" actId="1076"/>
           <ac:cxnSpMkLst>
             <pc:docMk/>
             <pc:sldMk cId="3920245211" sldId="383"/>
@@ -2320,7 +2392,7 @@
           </ac:cxnSpMkLst>
         </pc:cxnChg>
         <pc:cxnChg chg="mod topLvl">
-          <ac:chgData name="Judson Santiago" userId="ebb108da2f256286" providerId="LiveId" clId="{EBADDEAC-E55A-4B24-8A10-DDA888254F04}" dt="2021-08-08T23:55:14.063" v="128" actId="164"/>
+          <ac:chgData name="Judson Santiago" userId="ebb108da2f256286" providerId="LiveId" clId="{EBADDEAC-E55A-4B24-8A10-DDA888254F04}" dt="2021-08-09T01:53:31.508" v="587" actId="1076"/>
           <ac:cxnSpMkLst>
             <pc:docMk/>
             <pc:sldMk cId="3920245211" sldId="383"/>
@@ -2352,7 +2424,7 @@
           </ac:cxnSpMkLst>
         </pc:cxnChg>
         <pc:cxnChg chg="mod topLvl">
-          <ac:chgData name="Judson Santiago" userId="ebb108da2f256286" providerId="LiveId" clId="{EBADDEAC-E55A-4B24-8A10-DDA888254F04}" dt="2021-08-08T23:55:14.063" v="128" actId="164"/>
+          <ac:chgData name="Judson Santiago" userId="ebb108da2f256286" providerId="LiveId" clId="{EBADDEAC-E55A-4B24-8A10-DDA888254F04}" dt="2021-08-09T01:53:31.508" v="587" actId="1076"/>
           <ac:cxnSpMkLst>
             <pc:docMk/>
             <pc:sldMk cId="3920245211" sldId="383"/>
@@ -2367,6 +2439,14 @@
             <ac:cxnSpMk id="29" creationId="{746BDA04-FE3B-46B6-AA9C-9E1115F5EBBE}"/>
           </ac:cxnSpMkLst>
         </pc:cxnChg>
+        <pc:cxnChg chg="mod">
+          <ac:chgData name="Judson Santiago" userId="ebb108da2f256286" providerId="LiveId" clId="{EBADDEAC-E55A-4B24-8A10-DDA888254F04}" dt="2021-08-09T01:51:04.421" v="510"/>
+          <ac:cxnSpMkLst>
+            <pc:docMk/>
+            <pc:sldMk cId="3920245211" sldId="383"/>
+            <ac:cxnSpMk id="31" creationId="{54A36421-EDAA-4FFE-9868-62158108441C}"/>
+          </ac:cxnSpMkLst>
+        </pc:cxnChg>
         <pc:cxnChg chg="del mod topLvl">
           <ac:chgData name="Judson Santiago" userId="ebb108da2f256286" providerId="LiveId" clId="{EBADDEAC-E55A-4B24-8A10-DDA888254F04}" dt="2021-08-08T23:53:12.128" v="95" actId="478"/>
           <ac:cxnSpMkLst>
@@ -2383,8 +2463,8 @@
             <ac:cxnSpMk id="41" creationId="{0CBE3F70-25D8-4E83-9075-25511DC00154}"/>
           </ac:cxnSpMkLst>
         </pc:cxnChg>
-        <pc:cxnChg chg="add mod">
-          <ac:chgData name="Judson Santiago" userId="ebb108da2f256286" providerId="LiveId" clId="{EBADDEAC-E55A-4B24-8A10-DDA888254F04}" dt="2021-08-08T23:55:14.063" v="128" actId="164"/>
+        <pc:cxnChg chg="add mod topLvl">
+          <ac:chgData name="Judson Santiago" userId="ebb108da2f256286" providerId="LiveId" clId="{EBADDEAC-E55A-4B24-8A10-DDA888254F04}" dt="2021-08-09T01:53:31.508" v="587" actId="1076"/>
           <ac:cxnSpMkLst>
             <pc:docMk/>
             <pc:sldMk cId="3920245211" sldId="383"/>
@@ -12675,7 +12755,14 @@
           <a:p>
             <a:r>
               <a:rPr lang="pt-BR" dirty="0"/>
-              <a:t>Inicializar o Direct3D significa: </a:t>
+              <a:t>Inicializar o Direct3D </a:t>
+            </a:r>
+            <a:br>
+              <a:rPr lang="pt-BR" dirty="0"/>
+            </a:br>
+            <a:r>
+              <a:rPr lang="pt-BR" dirty="0"/>
+              <a:t>requer:</a:t>
             </a:r>
           </a:p>
           <a:p>
@@ -12685,7 +12772,7 @@
             <a:pPr lvl="1"/>
             <a:r>
               <a:rPr lang="pt-BR" dirty="0"/>
-              <a:t>A criação de objetos:</a:t>
+              <a:t>Criação de objetos:</a:t>
             </a:r>
           </a:p>
           <a:p>
@@ -12728,9 +12815,10 @@
           <a:p>
             <a:pPr lvl="1"/>
             <a:r>
-              <a:rPr lang="pt-BR" dirty="0"/>
-              <a:t>A configuração de:</a:t>
-            </a:r>
+              <a:rPr lang="pt-BR"/>
+              <a:t>Configuração de:</a:t>
+            </a:r>
+            <a:endParaRPr lang="pt-BR" dirty="0"/>
           </a:p>
           <a:p>
             <a:pPr lvl="2"/>
@@ -12746,8 +12834,25 @@
                   </a:schemeClr>
                 </a:solidFill>
               </a:rPr>
-              <a:t>Render-Target View</a:t>
-            </a:r>
+              <a:t>Render-Target </a:t>
+            </a:r>
+            <a:r>
+              <a:rPr lang="pt-BR" dirty="0" err="1">
+                <a:solidFill>
+                  <a:schemeClr val="accent1">
+                    <a:lumMod val="75000"/>
+                  </a:schemeClr>
+                </a:solidFill>
+              </a:rPr>
+              <a:t>View</a:t>
+            </a:r>
+            <a:endParaRPr lang="pt-BR" dirty="0">
+              <a:solidFill>
+                <a:schemeClr val="accent1">
+                  <a:lumMod val="75000"/>
+                </a:schemeClr>
+              </a:solidFill>
+            </a:endParaRPr>
           </a:p>
           <a:p>
             <a:pPr lvl="2"/>
@@ -12756,7 +12861,7 @@
               <a:t>Uma </a:t>
             </a:r>
             <a:r>
-              <a:rPr lang="pt-BR" dirty="0">
+              <a:rPr lang="pt-BR" dirty="0" err="1">
                 <a:solidFill>
                   <a:schemeClr val="accent1">
                     <a:lumMod val="75000"/>
@@ -12765,6 +12870,13 @@
               </a:rPr>
               <a:t>Viewport</a:t>
             </a:r>
+            <a:endParaRPr lang="pt-BR" dirty="0">
+              <a:solidFill>
+                <a:schemeClr val="accent1">
+                  <a:lumMod val="75000"/>
+                </a:schemeClr>
+              </a:solidFill>
+            </a:endParaRPr>
           </a:p>
           <a:p>
             <a:pPr lvl="1"/>
@@ -12794,12 +12906,845 @@
           </a:p>
         </p:txBody>
       </p:sp>
+      <p:sp>
+        <p:nvSpPr>
+          <p:cNvPr id="5" name="Retângulo 4">
+            <a:extLst>
+              <a:ext uri="{FF2B5EF4-FFF2-40B4-BE49-F238E27FC236}">
+                <a16:creationId xmlns:a16="http://schemas.microsoft.com/office/drawing/2014/main" id="{99C6ABE4-C2BB-4D9D-84F5-BAAA0D4D1D11}"/>
+              </a:ext>
+            </a:extLst>
+          </p:cNvPr>
+          <p:cNvSpPr/>
+          <p:nvPr/>
+        </p:nvSpPr>
+        <p:spPr>
+          <a:xfrm>
+            <a:off x="6017823" y="2160746"/>
+            <a:ext cx="5130160" cy="760007"/>
+          </a:xfrm>
+          <a:prstGeom prst="rect">
+            <a:avLst/>
+          </a:prstGeom>
+          <a:solidFill>
+            <a:schemeClr val="tx2">
+              <a:lumMod val="10000"/>
+            </a:schemeClr>
+          </a:solidFill>
+          <a:ln w="19050">
+            <a:prstDash val="dash"/>
+          </a:ln>
+        </p:spPr>
+        <p:style>
+          <a:lnRef idx="2">
+            <a:schemeClr val="accent1">
+              <a:shade val="50000"/>
+            </a:schemeClr>
+          </a:lnRef>
+          <a:fillRef idx="1">
+            <a:schemeClr val="accent1"/>
+          </a:fillRef>
+          <a:effectRef idx="0">
+            <a:schemeClr val="accent1"/>
+          </a:effectRef>
+          <a:fontRef idx="minor">
+            <a:schemeClr val="lt1"/>
+          </a:fontRef>
+        </p:style>
+        <p:txBody>
+          <a:bodyPr rtlCol="0" anchor="ctr"/>
+          <a:lstStyle/>
+          <a:p>
+            <a:pPr algn="ctr"/>
+            <a:endParaRPr lang="pt-BR"/>
+          </a:p>
+        </p:txBody>
+      </p:sp>
+      <p:sp>
+        <p:nvSpPr>
+          <p:cNvPr id="7" name="Retângulo 6">
+            <a:extLst>
+              <a:ext uri="{FF2B5EF4-FFF2-40B4-BE49-F238E27FC236}">
+                <a16:creationId xmlns:a16="http://schemas.microsoft.com/office/drawing/2014/main" id="{32F03607-A660-45D8-9782-B5BC250F68F5}"/>
+              </a:ext>
+            </a:extLst>
+          </p:cNvPr>
+          <p:cNvSpPr/>
+          <p:nvPr/>
+        </p:nvSpPr>
+        <p:spPr>
+          <a:xfrm>
+            <a:off x="9622619" y="3948546"/>
+            <a:ext cx="1026671" cy="493526"/>
+          </a:xfrm>
+          <a:prstGeom prst="rect">
+            <a:avLst/>
+          </a:prstGeom>
+          <a:solidFill>
+            <a:schemeClr val="accent1">
+              <a:lumMod val="75000"/>
+            </a:schemeClr>
+          </a:solidFill>
+        </p:spPr>
+        <p:style>
+          <a:lnRef idx="1">
+            <a:schemeClr val="accent1"/>
+          </a:lnRef>
+          <a:fillRef idx="2">
+            <a:schemeClr val="accent1"/>
+          </a:fillRef>
+          <a:effectRef idx="1">
+            <a:schemeClr val="accent1"/>
+          </a:effectRef>
+          <a:fontRef idx="minor">
+            <a:schemeClr val="dk1"/>
+          </a:fontRef>
+        </p:style>
+        <p:txBody>
+          <a:bodyPr lIns="72000" tIns="46800" rIns="72000" rtlCol="0" anchor="ctr"/>
+          <a:lstStyle/>
+          <a:p>
+            <a:pPr algn="ctr"/>
+            <a:r>
+              <a:rPr lang="en-US" sz="1200">
+                <a:solidFill>
+                  <a:schemeClr val="tx1"/>
+                </a:solidFill>
+                <a:latin typeface="Consolas" pitchFamily="49" charset="0"/>
+                <a:cs typeface="Consolas" pitchFamily="49" charset="0"/>
+              </a:rPr>
+              <a:t>Output Merger</a:t>
+            </a:r>
+          </a:p>
+        </p:txBody>
+      </p:sp>
+      <p:sp>
+        <p:nvSpPr>
+          <p:cNvPr id="8" name="Retângulo de cantos arredondados 41">
+            <a:extLst>
+              <a:ext uri="{FF2B5EF4-FFF2-40B4-BE49-F238E27FC236}">
+                <a16:creationId xmlns:a16="http://schemas.microsoft.com/office/drawing/2014/main" id="{EB4AE6C8-59A5-4A77-9F0D-F0CC2E9F6021}"/>
+              </a:ext>
+            </a:extLst>
+          </p:cNvPr>
+          <p:cNvSpPr/>
+          <p:nvPr/>
+        </p:nvSpPr>
+        <p:spPr>
+          <a:xfrm>
+            <a:off x="8449640" y="3948546"/>
+            <a:ext cx="1016763" cy="493526"/>
+          </a:xfrm>
+          <a:prstGeom prst="roundRect">
+            <a:avLst>
+              <a:gd name="adj" fmla="val 50000"/>
+            </a:avLst>
+          </a:prstGeom>
+          <a:solidFill>
+            <a:schemeClr val="accent1">
+              <a:lumMod val="75000"/>
+            </a:schemeClr>
+          </a:solidFill>
+        </p:spPr>
+        <p:style>
+          <a:lnRef idx="1">
+            <a:schemeClr val="accent1"/>
+          </a:lnRef>
+          <a:fillRef idx="2">
+            <a:schemeClr val="accent1"/>
+          </a:fillRef>
+          <a:effectRef idx="1">
+            <a:schemeClr val="accent1"/>
+          </a:effectRef>
+          <a:fontRef idx="minor">
+            <a:schemeClr val="dk1"/>
+          </a:fontRef>
+        </p:style>
+        <p:txBody>
+          <a:bodyPr lIns="72000" tIns="46800" rIns="72000" rtlCol="0" anchor="ctr"/>
+          <a:lstStyle/>
+          <a:p>
+            <a:pPr algn="ctr"/>
+            <a:r>
+              <a:rPr lang="pt-BR" sz="1200" dirty="0">
+                <a:solidFill>
+                  <a:schemeClr val="tx1"/>
+                </a:solidFill>
+                <a:latin typeface="Consolas" pitchFamily="49" charset="0"/>
+                <a:cs typeface="Consolas" pitchFamily="49" charset="0"/>
+              </a:rPr>
+              <a:t>Pixel Shader</a:t>
+            </a:r>
+          </a:p>
+        </p:txBody>
+      </p:sp>
+      <p:sp>
+        <p:nvSpPr>
+          <p:cNvPr id="13" name="Seta para baixo 44">
+            <a:extLst>
+              <a:ext uri="{FF2B5EF4-FFF2-40B4-BE49-F238E27FC236}">
+                <a16:creationId xmlns:a16="http://schemas.microsoft.com/office/drawing/2014/main" id="{8B9A2628-7144-4C36-982E-1D10770F8377}"/>
+              </a:ext>
+            </a:extLst>
+          </p:cNvPr>
+          <p:cNvSpPr/>
+          <p:nvPr/>
+        </p:nvSpPr>
+        <p:spPr>
+          <a:xfrm rot="16200000">
+            <a:off x="6819805" y="3859695"/>
+            <a:ext cx="171151" cy="671223"/>
+          </a:xfrm>
+          <a:prstGeom prst="downArrow">
+            <a:avLst/>
+          </a:prstGeom>
+          <a:solidFill>
+            <a:schemeClr val="accent1">
+              <a:lumMod val="50000"/>
+            </a:schemeClr>
+          </a:solidFill>
+          <a:ln>
+            <a:solidFill>
+              <a:schemeClr val="accent1"/>
+            </a:solidFill>
+          </a:ln>
+        </p:spPr>
+        <p:style>
+          <a:lnRef idx="1">
+            <a:schemeClr val="accent1"/>
+          </a:lnRef>
+          <a:fillRef idx="2">
+            <a:schemeClr val="accent1"/>
+          </a:fillRef>
+          <a:effectRef idx="1">
+            <a:schemeClr val="accent1"/>
+          </a:effectRef>
+          <a:fontRef idx="minor">
+            <a:schemeClr val="dk1"/>
+          </a:fontRef>
+        </p:style>
+        <p:txBody>
+          <a:bodyPr rtlCol="0" anchor="ctr"/>
+          <a:lstStyle/>
+          <a:p>
+            <a:pPr algn="ctr"/>
+            <a:endParaRPr lang="pt-BR">
+              <a:solidFill>
+                <a:schemeClr val="tx1"/>
+              </a:solidFill>
+            </a:endParaRPr>
+          </a:p>
+        </p:txBody>
+      </p:sp>
+      <p:sp>
+        <p:nvSpPr>
+          <p:cNvPr id="17" name="Seta para baixo 44">
+            <a:extLst>
+              <a:ext uri="{FF2B5EF4-FFF2-40B4-BE49-F238E27FC236}">
+                <a16:creationId xmlns:a16="http://schemas.microsoft.com/office/drawing/2014/main" id="{06CBBA9B-0B28-47D5-B053-EB0ED7933794}"/>
+              </a:ext>
+            </a:extLst>
+          </p:cNvPr>
+          <p:cNvSpPr/>
+          <p:nvPr/>
+        </p:nvSpPr>
+        <p:spPr>
+          <a:xfrm rot="16200000">
+            <a:off x="8267359" y="4110035"/>
+            <a:ext cx="171151" cy="170543"/>
+          </a:xfrm>
+          <a:prstGeom prst="downArrow">
+            <a:avLst/>
+          </a:prstGeom>
+          <a:solidFill>
+            <a:schemeClr val="accent1">
+              <a:lumMod val="50000"/>
+            </a:schemeClr>
+          </a:solidFill>
+          <a:ln>
+            <a:solidFill>
+              <a:schemeClr val="accent1"/>
+            </a:solidFill>
+          </a:ln>
+        </p:spPr>
+        <p:style>
+          <a:lnRef idx="1">
+            <a:schemeClr val="accent1"/>
+          </a:lnRef>
+          <a:fillRef idx="2">
+            <a:schemeClr val="accent1"/>
+          </a:fillRef>
+          <a:effectRef idx="1">
+            <a:schemeClr val="accent1"/>
+          </a:effectRef>
+          <a:fontRef idx="minor">
+            <a:schemeClr val="dk1"/>
+          </a:fontRef>
+        </p:style>
+        <p:txBody>
+          <a:bodyPr rtlCol="0" anchor="ctr"/>
+          <a:lstStyle/>
+          <a:p>
+            <a:pPr algn="ctr"/>
+            <a:endParaRPr lang="pt-BR">
+              <a:solidFill>
+                <a:schemeClr val="tx1"/>
+              </a:solidFill>
+            </a:endParaRPr>
+          </a:p>
+        </p:txBody>
+      </p:sp>
+      <p:sp>
+        <p:nvSpPr>
+          <p:cNvPr id="18" name="Seta para baixo 44">
+            <a:extLst>
+              <a:ext uri="{FF2B5EF4-FFF2-40B4-BE49-F238E27FC236}">
+                <a16:creationId xmlns:a16="http://schemas.microsoft.com/office/drawing/2014/main" id="{3AA7C245-53F3-43E8-8AAF-4683BCC4E276}"/>
+              </a:ext>
+            </a:extLst>
+          </p:cNvPr>
+          <p:cNvSpPr/>
+          <p:nvPr/>
+        </p:nvSpPr>
+        <p:spPr>
+          <a:xfrm rot="16200000">
+            <a:off x="9462930" y="4115534"/>
+            <a:ext cx="151469" cy="159550"/>
+          </a:xfrm>
+          <a:prstGeom prst="downArrow">
+            <a:avLst/>
+          </a:prstGeom>
+          <a:solidFill>
+            <a:schemeClr val="accent1">
+              <a:lumMod val="50000"/>
+            </a:schemeClr>
+          </a:solidFill>
+          <a:ln>
+            <a:solidFill>
+              <a:schemeClr val="accent1"/>
+            </a:solidFill>
+          </a:ln>
+        </p:spPr>
+        <p:style>
+          <a:lnRef idx="1">
+            <a:schemeClr val="accent1"/>
+          </a:lnRef>
+          <a:fillRef idx="2">
+            <a:schemeClr val="accent1"/>
+          </a:fillRef>
+          <a:effectRef idx="1">
+            <a:schemeClr val="accent1"/>
+          </a:effectRef>
+          <a:fontRef idx="minor">
+            <a:schemeClr val="dk1"/>
+          </a:fontRef>
+        </p:style>
+        <p:txBody>
+          <a:bodyPr rtlCol="0" anchor="ctr"/>
+          <a:lstStyle/>
+          <a:p>
+            <a:pPr algn="ctr"/>
+            <a:endParaRPr lang="pt-BR">
+              <a:solidFill>
+                <a:schemeClr val="tx1"/>
+              </a:solidFill>
+            </a:endParaRPr>
+          </a:p>
+        </p:txBody>
+      </p:sp>
+      <p:cxnSp>
+        <p:nvCxnSpPr>
+          <p:cNvPr id="19" name="Conector angulado 43">
+            <a:extLst>
+              <a:ext uri="{FF2B5EF4-FFF2-40B4-BE49-F238E27FC236}">
+                <a16:creationId xmlns:a16="http://schemas.microsoft.com/office/drawing/2014/main" id="{EEB16B12-2984-48FF-A228-52CDDB8E4294}"/>
+              </a:ext>
+            </a:extLst>
+          </p:cNvPr>
+          <p:cNvCxnSpPr>
+            <a:cxnSpLocks/>
+            <a:stCxn id="8" idx="2"/>
+          </p:cNvCxnSpPr>
+          <p:nvPr/>
+        </p:nvCxnSpPr>
+        <p:spPr>
+          <a:xfrm rot="5400000">
+            <a:off x="7611998" y="3821624"/>
+            <a:ext cx="725576" cy="1966473"/>
+          </a:xfrm>
+          <a:prstGeom prst="bentConnector2">
+            <a:avLst/>
+          </a:prstGeom>
+          <a:ln>
+            <a:prstDash val="dash"/>
+          </a:ln>
+        </p:spPr>
+        <p:style>
+          <a:lnRef idx="1">
+            <a:schemeClr val="accent1"/>
+          </a:lnRef>
+          <a:fillRef idx="0">
+            <a:schemeClr val="accent1"/>
+          </a:fillRef>
+          <a:effectRef idx="0">
+            <a:schemeClr val="accent1"/>
+          </a:effectRef>
+          <a:fontRef idx="minor">
+            <a:schemeClr val="tx1"/>
+          </a:fontRef>
+        </p:style>
+      </p:cxnSp>
+      <p:sp>
+        <p:nvSpPr>
+          <p:cNvPr id="20" name="Retângulo 19">
+            <a:extLst>
+              <a:ext uri="{FF2B5EF4-FFF2-40B4-BE49-F238E27FC236}">
+                <a16:creationId xmlns:a16="http://schemas.microsoft.com/office/drawing/2014/main" id="{F6870CE1-217B-4624-82F8-035BB9BFBD9D}"/>
+              </a:ext>
+            </a:extLst>
+          </p:cNvPr>
+          <p:cNvSpPr/>
+          <p:nvPr/>
+        </p:nvSpPr>
+        <p:spPr>
+          <a:xfrm>
+            <a:off x="9298831" y="2290709"/>
+            <a:ext cx="781894" cy="488890"/>
+          </a:xfrm>
+          <a:prstGeom prst="rect">
+            <a:avLst/>
+          </a:prstGeom>
+          <a:solidFill>
+            <a:schemeClr val="accent1"/>
+          </a:solidFill>
+          <a:ln>
+            <a:solidFill>
+              <a:schemeClr val="accent1"/>
+            </a:solidFill>
+          </a:ln>
+        </p:spPr>
+        <p:style>
+          <a:lnRef idx="1">
+            <a:schemeClr val="accent1"/>
+          </a:lnRef>
+          <a:fillRef idx="2">
+            <a:schemeClr val="accent1"/>
+          </a:fillRef>
+          <a:effectRef idx="1">
+            <a:schemeClr val="accent1"/>
+          </a:effectRef>
+          <a:fontRef idx="minor">
+            <a:schemeClr val="dk1"/>
+          </a:fontRef>
+        </p:style>
+        <p:txBody>
+          <a:bodyPr lIns="72000" tIns="46800" rIns="72000" rtlCol="0" anchor="ctr"/>
+          <a:lstStyle/>
+          <a:p>
+            <a:pPr algn="ctr"/>
+            <a:r>
+              <a:rPr lang="pt-BR" sz="1100" dirty="0">
+                <a:solidFill>
+                  <a:schemeClr val="tx1"/>
+                </a:solidFill>
+                <a:latin typeface="Consolas" pitchFamily="49" charset="0"/>
+                <a:cs typeface="Consolas" pitchFamily="49" charset="0"/>
+              </a:rPr>
+              <a:t>Render Target</a:t>
+            </a:r>
+          </a:p>
+        </p:txBody>
+      </p:sp>
+      <p:sp>
+        <p:nvSpPr>
+          <p:cNvPr id="21" name="Retângulo 20">
+            <a:extLst>
+              <a:ext uri="{FF2B5EF4-FFF2-40B4-BE49-F238E27FC236}">
+                <a16:creationId xmlns:a16="http://schemas.microsoft.com/office/drawing/2014/main" id="{C1D14B3F-87AD-4D2C-B65D-7E7F5A2E36D6}"/>
+              </a:ext>
+            </a:extLst>
+          </p:cNvPr>
+          <p:cNvSpPr/>
+          <p:nvPr/>
+        </p:nvSpPr>
+        <p:spPr>
+          <a:xfrm>
+            <a:off x="10168820" y="2292532"/>
+            <a:ext cx="781894" cy="488890"/>
+          </a:xfrm>
+          <a:prstGeom prst="rect">
+            <a:avLst/>
+          </a:prstGeom>
+          <a:solidFill>
+            <a:schemeClr val="accent1"/>
+          </a:solidFill>
+          <a:ln>
+            <a:solidFill>
+              <a:schemeClr val="accent1"/>
+            </a:solidFill>
+          </a:ln>
+        </p:spPr>
+        <p:style>
+          <a:lnRef idx="1">
+            <a:schemeClr val="accent1"/>
+          </a:lnRef>
+          <a:fillRef idx="2">
+            <a:schemeClr val="accent1"/>
+          </a:fillRef>
+          <a:effectRef idx="1">
+            <a:schemeClr val="accent1"/>
+          </a:effectRef>
+          <a:fontRef idx="minor">
+            <a:schemeClr val="dk1"/>
+          </a:fontRef>
+        </p:style>
+        <p:txBody>
+          <a:bodyPr lIns="72000" tIns="46800" rIns="72000" rtlCol="0" anchor="ctr"/>
+          <a:lstStyle/>
+          <a:p>
+            <a:pPr algn="ctr"/>
+            <a:r>
+              <a:rPr lang="en-US" sz="1100" dirty="0">
+                <a:solidFill>
+                  <a:schemeClr val="tx1"/>
+                </a:solidFill>
+                <a:latin typeface="Consolas" pitchFamily="49" charset="0"/>
+                <a:cs typeface="Consolas" pitchFamily="49" charset="0"/>
+              </a:rPr>
+              <a:t>Depth Stencil</a:t>
+            </a:r>
+          </a:p>
+        </p:txBody>
+      </p:sp>
+      <p:cxnSp>
+        <p:nvCxnSpPr>
+          <p:cNvPr id="22" name="Conector: Angulado 83">
+            <a:extLst>
+              <a:ext uri="{FF2B5EF4-FFF2-40B4-BE49-F238E27FC236}">
+                <a16:creationId xmlns:a16="http://schemas.microsoft.com/office/drawing/2014/main" id="{4A742880-03B4-4101-8F3E-A65B4FE5D4DB}"/>
+              </a:ext>
+            </a:extLst>
+          </p:cNvPr>
+          <p:cNvCxnSpPr>
+            <a:cxnSpLocks/>
+            <a:stCxn id="20" idx="2"/>
+            <a:endCxn id="7" idx="0"/>
+          </p:cNvCxnSpPr>
+          <p:nvPr/>
+        </p:nvCxnSpPr>
+        <p:spPr>
+          <a:xfrm rot="16200000" flipH="1">
+            <a:off x="9328393" y="3140983"/>
+            <a:ext cx="1168947" cy="446177"/>
+          </a:xfrm>
+          <a:prstGeom prst="bentConnector3">
+            <a:avLst/>
+          </a:prstGeom>
+          <a:ln w="12700">
+            <a:headEnd type="triangle"/>
+            <a:tailEnd type="triangle"/>
+          </a:ln>
+        </p:spPr>
+        <p:style>
+          <a:lnRef idx="1">
+            <a:schemeClr val="accent1"/>
+          </a:lnRef>
+          <a:fillRef idx="0">
+            <a:schemeClr val="accent1"/>
+          </a:fillRef>
+          <a:effectRef idx="0">
+            <a:schemeClr val="accent1"/>
+          </a:effectRef>
+          <a:fontRef idx="minor">
+            <a:schemeClr val="tx1"/>
+          </a:fontRef>
+        </p:style>
+      </p:cxnSp>
+      <p:cxnSp>
+        <p:nvCxnSpPr>
+          <p:cNvPr id="23" name="Conector: Angulado 84">
+            <a:extLst>
+              <a:ext uri="{FF2B5EF4-FFF2-40B4-BE49-F238E27FC236}">
+                <a16:creationId xmlns:a16="http://schemas.microsoft.com/office/drawing/2014/main" id="{87CD9BB1-9FA9-4932-BBA9-8D4667B8103A}"/>
+              </a:ext>
+            </a:extLst>
+          </p:cNvPr>
+          <p:cNvCxnSpPr>
+            <a:cxnSpLocks/>
+            <a:stCxn id="21" idx="2"/>
+            <a:endCxn id="7" idx="0"/>
+          </p:cNvCxnSpPr>
+          <p:nvPr/>
+        </p:nvCxnSpPr>
+        <p:spPr>
+          <a:xfrm rot="5400000">
+            <a:off x="9764299" y="3153078"/>
+            <a:ext cx="1167124" cy="423812"/>
+          </a:xfrm>
+          <a:prstGeom prst="bentConnector3">
+            <a:avLst>
+              <a:gd name="adj1" fmla="val 50000"/>
+            </a:avLst>
+          </a:prstGeom>
+          <a:ln w="12700">
+            <a:headEnd type="triangle"/>
+            <a:tailEnd type="triangle"/>
+          </a:ln>
+        </p:spPr>
+        <p:style>
+          <a:lnRef idx="1">
+            <a:schemeClr val="accent1"/>
+          </a:lnRef>
+          <a:fillRef idx="0">
+            <a:schemeClr val="accent1"/>
+          </a:fillRef>
+          <a:effectRef idx="0">
+            <a:schemeClr val="accent1"/>
+          </a:effectRef>
+          <a:fontRef idx="minor">
+            <a:schemeClr val="tx1"/>
+          </a:fontRef>
+        </p:style>
+      </p:cxnSp>
+      <p:cxnSp>
+        <p:nvCxnSpPr>
+          <p:cNvPr id="27" name="Conector de Seta Reta 26">
+            <a:extLst>
+              <a:ext uri="{FF2B5EF4-FFF2-40B4-BE49-F238E27FC236}">
+                <a16:creationId xmlns:a16="http://schemas.microsoft.com/office/drawing/2014/main" id="{CE792DD8-DA7B-4720-8115-6262E2AD0995}"/>
+              </a:ext>
+            </a:extLst>
+          </p:cNvPr>
+          <p:cNvCxnSpPr>
+            <a:cxnSpLocks/>
+            <a:endCxn id="8" idx="0"/>
+          </p:cNvCxnSpPr>
+          <p:nvPr/>
+        </p:nvCxnSpPr>
+        <p:spPr>
+          <a:xfrm>
+            <a:off x="8958022" y="2915991"/>
+            <a:ext cx="0" cy="1032555"/>
+          </a:xfrm>
+          <a:prstGeom prst="straightConnector1">
+            <a:avLst/>
+          </a:prstGeom>
+          <a:ln w="12700">
+            <a:tailEnd type="triangle"/>
+          </a:ln>
+        </p:spPr>
+        <p:style>
+          <a:lnRef idx="1">
+            <a:schemeClr val="accent1"/>
+          </a:lnRef>
+          <a:fillRef idx="0">
+            <a:schemeClr val="accent1"/>
+          </a:fillRef>
+          <a:effectRef idx="0">
+            <a:schemeClr val="accent1"/>
+          </a:effectRef>
+          <a:fontRef idx="minor">
+            <a:schemeClr val="tx1"/>
+          </a:fontRef>
+        </p:style>
+      </p:cxnSp>
+      <p:sp>
+        <p:nvSpPr>
+          <p:cNvPr id="39" name="Retângulo 38">
+            <a:extLst>
+              <a:ext uri="{FF2B5EF4-FFF2-40B4-BE49-F238E27FC236}">
+                <a16:creationId xmlns:a16="http://schemas.microsoft.com/office/drawing/2014/main" id="{14930769-2501-4DFB-9701-F4793B392AD2}"/>
+              </a:ext>
+            </a:extLst>
+          </p:cNvPr>
+          <p:cNvSpPr/>
+          <p:nvPr/>
+        </p:nvSpPr>
+        <p:spPr>
+          <a:xfrm>
+            <a:off x="7240992" y="3948546"/>
+            <a:ext cx="1026671" cy="493526"/>
+          </a:xfrm>
+          <a:prstGeom prst="rect">
+            <a:avLst/>
+          </a:prstGeom>
+          <a:solidFill>
+            <a:schemeClr val="accent1">
+              <a:lumMod val="75000"/>
+            </a:schemeClr>
+          </a:solidFill>
+        </p:spPr>
+        <p:style>
+          <a:lnRef idx="1">
+            <a:schemeClr val="accent1"/>
+          </a:lnRef>
+          <a:fillRef idx="2">
+            <a:schemeClr val="accent1"/>
+          </a:fillRef>
+          <a:effectRef idx="1">
+            <a:schemeClr val="accent1"/>
+          </a:effectRef>
+          <a:fontRef idx="minor">
+            <a:schemeClr val="dk1"/>
+          </a:fontRef>
+        </p:style>
+        <p:txBody>
+          <a:bodyPr lIns="72000" tIns="46800" rIns="72000" rtlCol="0" anchor="ctr"/>
+          <a:lstStyle/>
+          <a:p>
+            <a:pPr algn="ctr"/>
+            <a:r>
+              <a:rPr lang="pt-BR" sz="1200" dirty="0">
+                <a:solidFill>
+                  <a:schemeClr val="tx1"/>
+                </a:solidFill>
+                <a:latin typeface="Consolas" pitchFamily="49" charset="0"/>
+                <a:cs typeface="Consolas" pitchFamily="49" charset="0"/>
+              </a:rPr>
+              <a:t>Rasterizer</a:t>
+            </a:r>
+          </a:p>
+        </p:txBody>
+      </p:sp>
+      <p:sp>
+        <p:nvSpPr>
+          <p:cNvPr id="40" name="CaixaDeTexto 39">
+            <a:extLst>
+              <a:ext uri="{FF2B5EF4-FFF2-40B4-BE49-F238E27FC236}">
+                <a16:creationId xmlns:a16="http://schemas.microsoft.com/office/drawing/2014/main" id="{D2836531-35EB-4A57-BF20-188B43B309AA}"/>
+              </a:ext>
+            </a:extLst>
+          </p:cNvPr>
+          <p:cNvSpPr txBox="1"/>
+          <p:nvPr/>
+        </p:nvSpPr>
+        <p:spPr>
+          <a:xfrm>
+            <a:off x="6318394" y="2355186"/>
+            <a:ext cx="869149" cy="369332"/>
+          </a:xfrm>
+          <a:prstGeom prst="rect">
+            <a:avLst/>
+          </a:prstGeom>
+          <a:noFill/>
+        </p:spPr>
+        <p:txBody>
+          <a:bodyPr wrap="none" rtlCol="0">
+            <a:spAutoFit/>
+          </a:bodyPr>
+          <a:lstStyle/>
+          <a:p>
+            <a:r>
+              <a:rPr lang="pt-BR" dirty="0">
+                <a:solidFill>
+                  <a:schemeClr val="accent1">
+                    <a:lumMod val="75000"/>
+                  </a:schemeClr>
+                </a:solidFill>
+              </a:rPr>
+              <a:t>VRAM</a:t>
+            </a:r>
+          </a:p>
+        </p:txBody>
+      </p:sp>
+      <p:cxnSp>
+        <p:nvCxnSpPr>
+          <p:cNvPr id="43" name="Conector reto 42">
+            <a:extLst>
+              <a:ext uri="{FF2B5EF4-FFF2-40B4-BE49-F238E27FC236}">
+                <a16:creationId xmlns:a16="http://schemas.microsoft.com/office/drawing/2014/main" id="{A1732984-AC22-4D7D-810F-46BBCFBC5A5E}"/>
+              </a:ext>
+            </a:extLst>
+          </p:cNvPr>
+          <p:cNvCxnSpPr>
+            <a:cxnSpLocks/>
+            <a:endCxn id="44" idx="4"/>
+          </p:cNvCxnSpPr>
+          <p:nvPr/>
+        </p:nvCxnSpPr>
+        <p:spPr>
+          <a:xfrm>
+            <a:off x="5951984" y="1971692"/>
+            <a:ext cx="1334414" cy="3389903"/>
+          </a:xfrm>
+          <a:prstGeom prst="line">
+            <a:avLst/>
+          </a:prstGeom>
+          <a:ln w="28575"/>
+        </p:spPr>
+        <p:style>
+          <a:lnRef idx="1">
+            <a:schemeClr val="accent1"/>
+          </a:lnRef>
+          <a:fillRef idx="0">
+            <a:schemeClr val="accent1"/>
+          </a:fillRef>
+          <a:effectRef idx="0">
+            <a:schemeClr val="accent1"/>
+          </a:effectRef>
+          <a:fontRef idx="minor">
+            <a:schemeClr val="tx1"/>
+          </a:fontRef>
+        </p:style>
+      </p:cxnSp>
+      <p:sp>
+        <p:nvSpPr>
+          <p:cNvPr id="44" name="Triângulo Retângulo 43">
+            <a:extLst>
+              <a:ext uri="{FF2B5EF4-FFF2-40B4-BE49-F238E27FC236}">
+                <a16:creationId xmlns:a16="http://schemas.microsoft.com/office/drawing/2014/main" id="{B013AE22-6533-46A4-8DE0-EC90393CA070}"/>
+              </a:ext>
+            </a:extLst>
+          </p:cNvPr>
+          <p:cNvSpPr/>
+          <p:nvPr/>
+        </p:nvSpPr>
+        <p:spPr>
+          <a:xfrm>
+            <a:off x="5943709" y="1977219"/>
+            <a:ext cx="1342689" cy="3384376"/>
+          </a:xfrm>
+          <a:prstGeom prst="rtTriangle">
+            <a:avLst/>
+          </a:prstGeom>
+          <a:solidFill>
+            <a:schemeClr val="tx1"/>
+          </a:solidFill>
+          <a:ln>
+            <a:noFill/>
+          </a:ln>
+        </p:spPr>
+        <p:style>
+          <a:lnRef idx="2">
+            <a:schemeClr val="accent1">
+              <a:shade val="50000"/>
+            </a:schemeClr>
+          </a:lnRef>
+          <a:fillRef idx="1">
+            <a:schemeClr val="accent1"/>
+          </a:fillRef>
+          <a:effectRef idx="0">
+            <a:schemeClr val="accent1"/>
+          </a:effectRef>
+          <a:fontRef idx="minor">
+            <a:schemeClr val="lt1"/>
+          </a:fontRef>
+        </p:style>
+        <p:txBody>
+          <a:bodyPr rtlCol="0" anchor="ctr"/>
+          <a:lstStyle/>
+          <a:p>
+            <a:pPr algn="ctr"/>
+            <a:endParaRPr lang="pt-BR"/>
+          </a:p>
+        </p:txBody>
+      </p:sp>
       <p:grpSp>
         <p:nvGrpSpPr>
-          <p:cNvPr id="48" name="Agrupar 47">
+          <p:cNvPr id="24" name="Agrupar 23">
             <a:extLst>
               <a:ext uri="{FF2B5EF4-FFF2-40B4-BE49-F238E27FC236}">
-                <a16:creationId xmlns:a16="http://schemas.microsoft.com/office/drawing/2014/main" id="{41817D70-D884-4CAD-BEE6-CD4132B694C4}"/>
+                <a16:creationId xmlns:a16="http://schemas.microsoft.com/office/drawing/2014/main" id="{EEFCFE4F-DFAB-4C6F-A461-052478395340}"/>
               </a:ext>
             </a:extLst>
           </p:cNvPr>
@@ -12808,18 +13753,19 @@
         </p:nvGrpSpPr>
         <p:grpSpPr>
           <a:xfrm>
-            <a:off x="6023992" y="2348880"/>
-            <a:ext cx="5204274" cy="3389903"/>
-            <a:chOff x="5716262" y="2193810"/>
-            <a:chExt cx="5204274" cy="3389903"/>
+            <a:off x="9392011" y="4845907"/>
+            <a:ext cx="1487888" cy="1109328"/>
+            <a:chOff x="2207568" y="3573016"/>
+            <a:chExt cx="3419103" cy="2549189"/>
           </a:xfrm>
+          <a:effectLst/>
         </p:grpSpPr>
         <p:sp>
           <p:nvSpPr>
-            <p:cNvPr id="5" name="Retângulo 4">
+            <p:cNvPr id="25" name="Triângulo isósceles 24">
               <a:extLst>
                 <a:ext uri="{FF2B5EF4-FFF2-40B4-BE49-F238E27FC236}">
-                  <a16:creationId xmlns:a16="http://schemas.microsoft.com/office/drawing/2014/main" id="{99C6ABE4-C2BB-4D9D-84F5-BAAA0D4D1D11}"/>
+                  <a16:creationId xmlns:a16="http://schemas.microsoft.com/office/drawing/2014/main" id="{0BC0E544-9785-4D30-907A-BACC2F82B678}"/>
                 </a:ext>
               </a:extLst>
             </p:cNvPr>
@@ -12828,20 +13774,23 @@
           </p:nvSpPr>
           <p:spPr>
             <a:xfrm>
-              <a:off x="5790376" y="2382864"/>
-              <a:ext cx="5130160" cy="760007"/>
+              <a:off x="3521075" y="5762165"/>
+              <a:ext cx="792088" cy="360040"/>
             </a:xfrm>
-            <a:prstGeom prst="rect">
+            <a:prstGeom prst="triangle">
               <a:avLst/>
             </a:prstGeom>
             <a:solidFill>
-              <a:schemeClr val="tx2">
-                <a:lumMod val="10000"/>
+              <a:schemeClr val="accent1">
+                <a:lumMod val="75000"/>
               </a:schemeClr>
             </a:solidFill>
-            <a:ln w="19050">
-              <a:prstDash val="dash"/>
+            <a:ln>
+              <a:solidFill>
+                <a:schemeClr val="tx1"/>
+              </a:solidFill>
             </a:ln>
+            <a:effectLst/>
           </p:spPr>
           <p:style>
             <a:lnRef idx="2">
@@ -12870,10 +13819,10 @@
         </p:sp>
         <p:sp>
           <p:nvSpPr>
-            <p:cNvPr id="7" name="Retângulo 6">
+            <p:cNvPr id="26" name="Retângulo 25">
               <a:extLst>
                 <a:ext uri="{FF2B5EF4-FFF2-40B4-BE49-F238E27FC236}">
-                  <a16:creationId xmlns:a16="http://schemas.microsoft.com/office/drawing/2014/main" id="{32F03607-A660-45D8-9782-B5BC250F68F5}"/>
+                  <a16:creationId xmlns:a16="http://schemas.microsoft.com/office/drawing/2014/main" id="{8E61FF5F-A924-443E-8CC6-635CAFC60AAD}"/>
                 </a:ext>
               </a:extLst>
             </p:cNvPr>
@@ -12882,8 +13831,8 @@
           </p:nvSpPr>
           <p:spPr>
             <a:xfrm>
-              <a:off x="9395172" y="4170664"/>
-              <a:ext cx="1026671" cy="493526"/>
+              <a:off x="2207568" y="3573016"/>
+              <a:ext cx="3419103" cy="2274548"/>
             </a:xfrm>
             <a:prstGeom prst="rect">
               <a:avLst/>
@@ -12893,734 +13842,12 @@
                 <a:lumMod val="75000"/>
               </a:schemeClr>
             </a:solidFill>
-          </p:spPr>
-          <p:style>
-            <a:lnRef idx="1">
-              <a:schemeClr val="accent1"/>
-            </a:lnRef>
-            <a:fillRef idx="2">
-              <a:schemeClr val="accent1"/>
-            </a:fillRef>
-            <a:effectRef idx="1">
-              <a:schemeClr val="accent1"/>
-            </a:effectRef>
-            <a:fontRef idx="minor">
-              <a:schemeClr val="dk1"/>
-            </a:fontRef>
-          </p:style>
-          <p:txBody>
-            <a:bodyPr lIns="72000" tIns="46800" rIns="72000" rtlCol="0" anchor="ctr"/>
-            <a:lstStyle/>
-            <a:p>
-              <a:pPr algn="ctr"/>
-              <a:r>
-                <a:rPr lang="en-US" sz="1200">
-                  <a:solidFill>
-                    <a:schemeClr val="tx1"/>
-                  </a:solidFill>
-                  <a:latin typeface="Consolas" pitchFamily="49" charset="0"/>
-                  <a:cs typeface="Consolas" pitchFamily="49" charset="0"/>
-                </a:rPr>
-                <a:t>Output Merger</a:t>
-              </a:r>
-            </a:p>
-          </p:txBody>
-        </p:sp>
-        <p:sp>
-          <p:nvSpPr>
-            <p:cNvPr id="8" name="Retângulo de cantos arredondados 41">
-              <a:extLst>
-                <a:ext uri="{FF2B5EF4-FFF2-40B4-BE49-F238E27FC236}">
-                  <a16:creationId xmlns:a16="http://schemas.microsoft.com/office/drawing/2014/main" id="{EB4AE6C8-59A5-4A77-9F0D-F0CC2E9F6021}"/>
-                </a:ext>
-              </a:extLst>
-            </p:cNvPr>
-            <p:cNvSpPr/>
-            <p:nvPr/>
-          </p:nvSpPr>
-          <p:spPr>
-            <a:xfrm>
-              <a:off x="8222193" y="4170664"/>
-              <a:ext cx="1016763" cy="493526"/>
-            </a:xfrm>
-            <a:prstGeom prst="roundRect">
-              <a:avLst>
-                <a:gd name="adj" fmla="val 50000"/>
-              </a:avLst>
-            </a:prstGeom>
-            <a:solidFill>
-              <a:schemeClr val="accent1">
-                <a:lumMod val="75000"/>
-              </a:schemeClr>
-            </a:solidFill>
-          </p:spPr>
-          <p:style>
-            <a:lnRef idx="1">
-              <a:schemeClr val="accent1"/>
-            </a:lnRef>
-            <a:fillRef idx="2">
-              <a:schemeClr val="accent1"/>
-            </a:fillRef>
-            <a:effectRef idx="1">
-              <a:schemeClr val="accent1"/>
-            </a:effectRef>
-            <a:fontRef idx="minor">
-              <a:schemeClr val="dk1"/>
-            </a:fontRef>
-          </p:style>
-          <p:txBody>
-            <a:bodyPr lIns="72000" tIns="46800" rIns="72000" rtlCol="0" anchor="ctr"/>
-            <a:lstStyle/>
-            <a:p>
-              <a:pPr algn="ctr"/>
-              <a:r>
-                <a:rPr lang="pt-BR" sz="1200" dirty="0">
-                  <a:solidFill>
-                    <a:schemeClr val="tx1"/>
-                  </a:solidFill>
-                  <a:latin typeface="Consolas" pitchFamily="49" charset="0"/>
-                  <a:cs typeface="Consolas" pitchFamily="49" charset="0"/>
-                </a:rPr>
-                <a:t>Pixel Shader</a:t>
-              </a:r>
-            </a:p>
-          </p:txBody>
-        </p:sp>
-        <p:sp>
-          <p:nvSpPr>
-            <p:cNvPr id="13" name="Seta para baixo 44">
-              <a:extLst>
-                <a:ext uri="{FF2B5EF4-FFF2-40B4-BE49-F238E27FC236}">
-                  <a16:creationId xmlns:a16="http://schemas.microsoft.com/office/drawing/2014/main" id="{8B9A2628-7144-4C36-982E-1D10770F8377}"/>
-                </a:ext>
-              </a:extLst>
-            </p:cNvPr>
-            <p:cNvSpPr/>
-            <p:nvPr/>
-          </p:nvSpPr>
-          <p:spPr>
-            <a:xfrm rot="16200000">
-              <a:off x="6592358" y="4081813"/>
-              <a:ext cx="171151" cy="671223"/>
-            </a:xfrm>
-            <a:prstGeom prst="downArrow">
-              <a:avLst/>
-            </a:prstGeom>
-            <a:solidFill>
-              <a:schemeClr val="accent1">
-                <a:lumMod val="50000"/>
-              </a:schemeClr>
-            </a:solidFill>
             <a:ln>
               <a:solidFill>
-                <a:schemeClr val="accent1"/>
+                <a:schemeClr val="tx1"/>
               </a:solidFill>
             </a:ln>
-          </p:spPr>
-          <p:style>
-            <a:lnRef idx="1">
-              <a:schemeClr val="accent1"/>
-            </a:lnRef>
-            <a:fillRef idx="2">
-              <a:schemeClr val="accent1"/>
-            </a:fillRef>
-            <a:effectRef idx="1">
-              <a:schemeClr val="accent1"/>
-            </a:effectRef>
-            <a:fontRef idx="minor">
-              <a:schemeClr val="dk1"/>
-            </a:fontRef>
-          </p:style>
-          <p:txBody>
-            <a:bodyPr rtlCol="0" anchor="ctr"/>
-            <a:lstStyle/>
-            <a:p>
-              <a:pPr algn="ctr"/>
-              <a:endParaRPr lang="pt-BR">
-                <a:solidFill>
-                  <a:schemeClr val="tx1"/>
-                </a:solidFill>
-              </a:endParaRPr>
-            </a:p>
-          </p:txBody>
-        </p:sp>
-        <p:sp>
-          <p:nvSpPr>
-            <p:cNvPr id="17" name="Seta para baixo 44">
-              <a:extLst>
-                <a:ext uri="{FF2B5EF4-FFF2-40B4-BE49-F238E27FC236}">
-                  <a16:creationId xmlns:a16="http://schemas.microsoft.com/office/drawing/2014/main" id="{06CBBA9B-0B28-47D5-B053-EB0ED7933794}"/>
-                </a:ext>
-              </a:extLst>
-            </p:cNvPr>
-            <p:cNvSpPr/>
-            <p:nvPr/>
-          </p:nvSpPr>
-          <p:spPr>
-            <a:xfrm rot="16200000">
-              <a:off x="8039912" y="4332153"/>
-              <a:ext cx="171151" cy="170543"/>
-            </a:xfrm>
-            <a:prstGeom prst="downArrow">
-              <a:avLst/>
-            </a:prstGeom>
-            <a:solidFill>
-              <a:schemeClr val="accent1">
-                <a:lumMod val="50000"/>
-              </a:schemeClr>
-            </a:solidFill>
-            <a:ln>
-              <a:solidFill>
-                <a:schemeClr val="accent1"/>
-              </a:solidFill>
-            </a:ln>
-          </p:spPr>
-          <p:style>
-            <a:lnRef idx="1">
-              <a:schemeClr val="accent1"/>
-            </a:lnRef>
-            <a:fillRef idx="2">
-              <a:schemeClr val="accent1"/>
-            </a:fillRef>
-            <a:effectRef idx="1">
-              <a:schemeClr val="accent1"/>
-            </a:effectRef>
-            <a:fontRef idx="minor">
-              <a:schemeClr val="dk1"/>
-            </a:fontRef>
-          </p:style>
-          <p:txBody>
-            <a:bodyPr rtlCol="0" anchor="ctr"/>
-            <a:lstStyle/>
-            <a:p>
-              <a:pPr algn="ctr"/>
-              <a:endParaRPr lang="pt-BR">
-                <a:solidFill>
-                  <a:schemeClr val="tx1"/>
-                </a:solidFill>
-              </a:endParaRPr>
-            </a:p>
-          </p:txBody>
-        </p:sp>
-        <p:sp>
-          <p:nvSpPr>
-            <p:cNvPr id="18" name="Seta para baixo 44">
-              <a:extLst>
-                <a:ext uri="{FF2B5EF4-FFF2-40B4-BE49-F238E27FC236}">
-                  <a16:creationId xmlns:a16="http://schemas.microsoft.com/office/drawing/2014/main" id="{3AA7C245-53F3-43E8-8AAF-4683BCC4E276}"/>
-                </a:ext>
-              </a:extLst>
-            </p:cNvPr>
-            <p:cNvSpPr/>
-            <p:nvPr/>
-          </p:nvSpPr>
-          <p:spPr>
-            <a:xfrm rot="16200000">
-              <a:off x="9235483" y="4337652"/>
-              <a:ext cx="151469" cy="159550"/>
-            </a:xfrm>
-            <a:prstGeom prst="downArrow">
-              <a:avLst/>
-            </a:prstGeom>
-            <a:solidFill>
-              <a:schemeClr val="accent1">
-                <a:lumMod val="50000"/>
-              </a:schemeClr>
-            </a:solidFill>
-            <a:ln>
-              <a:solidFill>
-                <a:schemeClr val="accent1"/>
-              </a:solidFill>
-            </a:ln>
-          </p:spPr>
-          <p:style>
-            <a:lnRef idx="1">
-              <a:schemeClr val="accent1"/>
-            </a:lnRef>
-            <a:fillRef idx="2">
-              <a:schemeClr val="accent1"/>
-            </a:fillRef>
-            <a:effectRef idx="1">
-              <a:schemeClr val="accent1"/>
-            </a:effectRef>
-            <a:fontRef idx="minor">
-              <a:schemeClr val="dk1"/>
-            </a:fontRef>
-          </p:style>
-          <p:txBody>
-            <a:bodyPr rtlCol="0" anchor="ctr"/>
-            <a:lstStyle/>
-            <a:p>
-              <a:pPr algn="ctr"/>
-              <a:endParaRPr lang="pt-BR">
-                <a:solidFill>
-                  <a:schemeClr val="tx1"/>
-                </a:solidFill>
-              </a:endParaRPr>
-            </a:p>
-          </p:txBody>
-        </p:sp>
-        <p:cxnSp>
-          <p:nvCxnSpPr>
-            <p:cNvPr id="19" name="Conector angulado 43">
-              <a:extLst>
-                <a:ext uri="{FF2B5EF4-FFF2-40B4-BE49-F238E27FC236}">
-                  <a16:creationId xmlns:a16="http://schemas.microsoft.com/office/drawing/2014/main" id="{EEB16B12-2984-48FF-A228-52CDDB8E4294}"/>
-                </a:ext>
-              </a:extLst>
-            </p:cNvPr>
-            <p:cNvCxnSpPr>
-              <a:cxnSpLocks/>
-              <a:stCxn id="8" idx="2"/>
-            </p:cNvCxnSpPr>
-            <p:nvPr/>
-          </p:nvCxnSpPr>
-          <p:spPr>
-            <a:xfrm rot="5400000">
-              <a:off x="7384551" y="4043742"/>
-              <a:ext cx="725576" cy="1966473"/>
-            </a:xfrm>
-            <a:prstGeom prst="bentConnector2">
-              <a:avLst/>
-            </a:prstGeom>
-            <a:ln>
-              <a:prstDash val="dash"/>
-            </a:ln>
-          </p:spPr>
-          <p:style>
-            <a:lnRef idx="1">
-              <a:schemeClr val="accent1"/>
-            </a:lnRef>
-            <a:fillRef idx="0">
-              <a:schemeClr val="accent1"/>
-            </a:fillRef>
-            <a:effectRef idx="0">
-              <a:schemeClr val="accent1"/>
-            </a:effectRef>
-            <a:fontRef idx="minor">
-              <a:schemeClr val="tx1"/>
-            </a:fontRef>
-          </p:style>
-        </p:cxnSp>
-        <p:sp>
-          <p:nvSpPr>
-            <p:cNvPr id="20" name="Retângulo 19">
-              <a:extLst>
-                <a:ext uri="{FF2B5EF4-FFF2-40B4-BE49-F238E27FC236}">
-                  <a16:creationId xmlns:a16="http://schemas.microsoft.com/office/drawing/2014/main" id="{F6870CE1-217B-4624-82F8-035BB9BFBD9D}"/>
-                </a:ext>
-              </a:extLst>
-            </p:cNvPr>
-            <p:cNvSpPr/>
-            <p:nvPr/>
-          </p:nvSpPr>
-          <p:spPr>
-            <a:xfrm>
-              <a:off x="9071384" y="2512827"/>
-              <a:ext cx="781894" cy="488890"/>
-            </a:xfrm>
-            <a:prstGeom prst="rect">
-              <a:avLst/>
-            </a:prstGeom>
-            <a:solidFill>
-              <a:schemeClr val="accent1"/>
-            </a:solidFill>
-            <a:ln>
-              <a:solidFill>
-                <a:schemeClr val="accent1"/>
-              </a:solidFill>
-            </a:ln>
-          </p:spPr>
-          <p:style>
-            <a:lnRef idx="1">
-              <a:schemeClr val="accent1"/>
-            </a:lnRef>
-            <a:fillRef idx="2">
-              <a:schemeClr val="accent1"/>
-            </a:fillRef>
-            <a:effectRef idx="1">
-              <a:schemeClr val="accent1"/>
-            </a:effectRef>
-            <a:fontRef idx="minor">
-              <a:schemeClr val="dk1"/>
-            </a:fontRef>
-          </p:style>
-          <p:txBody>
-            <a:bodyPr lIns="72000" tIns="46800" rIns="72000" rtlCol="0" anchor="ctr"/>
-            <a:lstStyle/>
-            <a:p>
-              <a:pPr algn="ctr"/>
-              <a:r>
-                <a:rPr lang="pt-BR" sz="1100" dirty="0">
-                  <a:solidFill>
-                    <a:schemeClr val="tx1"/>
-                  </a:solidFill>
-                  <a:latin typeface="Consolas" pitchFamily="49" charset="0"/>
-                  <a:cs typeface="Consolas" pitchFamily="49" charset="0"/>
-                </a:rPr>
-                <a:t>Render Target</a:t>
-              </a:r>
-            </a:p>
-          </p:txBody>
-        </p:sp>
-        <p:sp>
-          <p:nvSpPr>
-            <p:cNvPr id="21" name="Retângulo 20">
-              <a:extLst>
-                <a:ext uri="{FF2B5EF4-FFF2-40B4-BE49-F238E27FC236}">
-                  <a16:creationId xmlns:a16="http://schemas.microsoft.com/office/drawing/2014/main" id="{C1D14B3F-87AD-4D2C-B65D-7E7F5A2E36D6}"/>
-                </a:ext>
-              </a:extLst>
-            </p:cNvPr>
-            <p:cNvSpPr/>
-            <p:nvPr/>
-          </p:nvSpPr>
-          <p:spPr>
-            <a:xfrm>
-              <a:off x="9941373" y="2514650"/>
-              <a:ext cx="781894" cy="488890"/>
-            </a:xfrm>
-            <a:prstGeom prst="rect">
-              <a:avLst/>
-            </a:prstGeom>
-            <a:solidFill>
-              <a:schemeClr val="accent1"/>
-            </a:solidFill>
-            <a:ln>
-              <a:solidFill>
-                <a:schemeClr val="accent1"/>
-              </a:solidFill>
-            </a:ln>
-          </p:spPr>
-          <p:style>
-            <a:lnRef idx="1">
-              <a:schemeClr val="accent1"/>
-            </a:lnRef>
-            <a:fillRef idx="2">
-              <a:schemeClr val="accent1"/>
-            </a:fillRef>
-            <a:effectRef idx="1">
-              <a:schemeClr val="accent1"/>
-            </a:effectRef>
-            <a:fontRef idx="minor">
-              <a:schemeClr val="dk1"/>
-            </a:fontRef>
-          </p:style>
-          <p:txBody>
-            <a:bodyPr lIns="72000" tIns="46800" rIns="72000" rtlCol="0" anchor="ctr"/>
-            <a:lstStyle/>
-            <a:p>
-              <a:pPr algn="ctr"/>
-              <a:r>
-                <a:rPr lang="en-US" sz="1100" dirty="0">
-                  <a:solidFill>
-                    <a:schemeClr val="tx1"/>
-                  </a:solidFill>
-                  <a:latin typeface="Consolas" pitchFamily="49" charset="0"/>
-                  <a:cs typeface="Consolas" pitchFamily="49" charset="0"/>
-                </a:rPr>
-                <a:t>Depth Stencil</a:t>
-              </a:r>
-            </a:p>
-          </p:txBody>
-        </p:sp>
-        <p:cxnSp>
-          <p:nvCxnSpPr>
-            <p:cNvPr id="22" name="Conector: Angulado 83">
-              <a:extLst>
-                <a:ext uri="{FF2B5EF4-FFF2-40B4-BE49-F238E27FC236}">
-                  <a16:creationId xmlns:a16="http://schemas.microsoft.com/office/drawing/2014/main" id="{4A742880-03B4-4101-8F3E-A65B4FE5D4DB}"/>
-                </a:ext>
-              </a:extLst>
-            </p:cNvPr>
-            <p:cNvCxnSpPr>
-              <a:cxnSpLocks/>
-              <a:stCxn id="20" idx="2"/>
-              <a:endCxn id="7" idx="0"/>
-            </p:cNvCxnSpPr>
-            <p:nvPr/>
-          </p:nvCxnSpPr>
-          <p:spPr>
-            <a:xfrm rot="16200000" flipH="1">
-              <a:off x="9100946" y="3363101"/>
-              <a:ext cx="1168947" cy="446177"/>
-            </a:xfrm>
-            <a:prstGeom prst="bentConnector3">
-              <a:avLst/>
-            </a:prstGeom>
-            <a:ln w="12700">
-              <a:headEnd type="triangle"/>
-              <a:tailEnd type="triangle"/>
-            </a:ln>
-          </p:spPr>
-          <p:style>
-            <a:lnRef idx="1">
-              <a:schemeClr val="accent1"/>
-            </a:lnRef>
-            <a:fillRef idx="0">
-              <a:schemeClr val="accent1"/>
-            </a:fillRef>
-            <a:effectRef idx="0">
-              <a:schemeClr val="accent1"/>
-            </a:effectRef>
-            <a:fontRef idx="minor">
-              <a:schemeClr val="tx1"/>
-            </a:fontRef>
-          </p:style>
-        </p:cxnSp>
-        <p:cxnSp>
-          <p:nvCxnSpPr>
-            <p:cNvPr id="23" name="Conector: Angulado 84">
-              <a:extLst>
-                <a:ext uri="{FF2B5EF4-FFF2-40B4-BE49-F238E27FC236}">
-                  <a16:creationId xmlns:a16="http://schemas.microsoft.com/office/drawing/2014/main" id="{87CD9BB1-9FA9-4932-BBA9-8D4667B8103A}"/>
-                </a:ext>
-              </a:extLst>
-            </p:cNvPr>
-            <p:cNvCxnSpPr>
-              <a:cxnSpLocks/>
-              <a:stCxn id="21" idx="2"/>
-              <a:endCxn id="7" idx="0"/>
-            </p:cNvCxnSpPr>
-            <p:nvPr/>
-          </p:nvCxnSpPr>
-          <p:spPr>
-            <a:xfrm rot="5400000">
-              <a:off x="9536852" y="3375196"/>
-              <a:ext cx="1167124" cy="423812"/>
-            </a:xfrm>
-            <a:prstGeom prst="bentConnector3">
-              <a:avLst>
-                <a:gd name="adj1" fmla="val 50000"/>
-              </a:avLst>
-            </a:prstGeom>
-            <a:ln w="12700">
-              <a:headEnd type="triangle"/>
-              <a:tailEnd type="triangle"/>
-            </a:ln>
-          </p:spPr>
-          <p:style>
-            <a:lnRef idx="1">
-              <a:schemeClr val="accent1"/>
-            </a:lnRef>
-            <a:fillRef idx="0">
-              <a:schemeClr val="accent1"/>
-            </a:fillRef>
-            <a:effectRef idx="0">
-              <a:schemeClr val="accent1"/>
-            </a:effectRef>
-            <a:fontRef idx="minor">
-              <a:schemeClr val="tx1"/>
-            </a:fontRef>
-          </p:style>
-        </p:cxnSp>
-        <p:cxnSp>
-          <p:nvCxnSpPr>
-            <p:cNvPr id="27" name="Conector de Seta Reta 26">
-              <a:extLst>
-                <a:ext uri="{FF2B5EF4-FFF2-40B4-BE49-F238E27FC236}">
-                  <a16:creationId xmlns:a16="http://schemas.microsoft.com/office/drawing/2014/main" id="{CE792DD8-DA7B-4720-8115-6262E2AD0995}"/>
-                </a:ext>
-              </a:extLst>
-            </p:cNvPr>
-            <p:cNvCxnSpPr>
-              <a:cxnSpLocks/>
-              <a:endCxn id="8" idx="0"/>
-            </p:cNvCxnSpPr>
-            <p:nvPr/>
-          </p:nvCxnSpPr>
-          <p:spPr>
-            <a:xfrm>
-              <a:off x="8730575" y="3138109"/>
-              <a:ext cx="0" cy="1032555"/>
-            </a:xfrm>
-            <a:prstGeom prst="straightConnector1">
-              <a:avLst/>
-            </a:prstGeom>
-            <a:ln w="12700">
-              <a:tailEnd type="triangle"/>
-            </a:ln>
-          </p:spPr>
-          <p:style>
-            <a:lnRef idx="1">
-              <a:schemeClr val="accent1"/>
-            </a:lnRef>
-            <a:fillRef idx="0">
-              <a:schemeClr val="accent1"/>
-            </a:fillRef>
-            <a:effectRef idx="0">
-              <a:schemeClr val="accent1"/>
-            </a:effectRef>
-            <a:fontRef idx="minor">
-              <a:schemeClr val="tx1"/>
-            </a:fontRef>
-          </p:style>
-        </p:cxnSp>
-        <p:sp>
-          <p:nvSpPr>
-            <p:cNvPr id="39" name="Retângulo 38">
-              <a:extLst>
-                <a:ext uri="{FF2B5EF4-FFF2-40B4-BE49-F238E27FC236}">
-                  <a16:creationId xmlns:a16="http://schemas.microsoft.com/office/drawing/2014/main" id="{14930769-2501-4DFB-9701-F4793B392AD2}"/>
-                </a:ext>
-              </a:extLst>
-            </p:cNvPr>
-            <p:cNvSpPr/>
-            <p:nvPr/>
-          </p:nvSpPr>
-          <p:spPr>
-            <a:xfrm>
-              <a:off x="7013545" y="4170664"/>
-              <a:ext cx="1026671" cy="493526"/>
-            </a:xfrm>
-            <a:prstGeom prst="rect">
-              <a:avLst/>
-            </a:prstGeom>
-            <a:solidFill>
-              <a:schemeClr val="accent1">
-                <a:lumMod val="75000"/>
-              </a:schemeClr>
-            </a:solidFill>
-          </p:spPr>
-          <p:style>
-            <a:lnRef idx="1">
-              <a:schemeClr val="accent1"/>
-            </a:lnRef>
-            <a:fillRef idx="2">
-              <a:schemeClr val="accent1"/>
-            </a:fillRef>
-            <a:effectRef idx="1">
-              <a:schemeClr val="accent1"/>
-            </a:effectRef>
-            <a:fontRef idx="minor">
-              <a:schemeClr val="dk1"/>
-            </a:fontRef>
-          </p:style>
-          <p:txBody>
-            <a:bodyPr lIns="72000" tIns="46800" rIns="72000" rtlCol="0" anchor="ctr"/>
-            <a:lstStyle/>
-            <a:p>
-              <a:pPr algn="ctr"/>
-              <a:r>
-                <a:rPr lang="pt-BR" sz="1200" dirty="0">
-                  <a:solidFill>
-                    <a:schemeClr val="tx1"/>
-                  </a:solidFill>
-                  <a:latin typeface="Consolas" pitchFamily="49" charset="0"/>
-                  <a:cs typeface="Consolas" pitchFamily="49" charset="0"/>
-                </a:rPr>
-                <a:t>Rasterizer</a:t>
-              </a:r>
-            </a:p>
-          </p:txBody>
-        </p:sp>
-        <p:sp>
-          <p:nvSpPr>
-            <p:cNvPr id="40" name="CaixaDeTexto 39">
-              <a:extLst>
-                <a:ext uri="{FF2B5EF4-FFF2-40B4-BE49-F238E27FC236}">
-                  <a16:creationId xmlns:a16="http://schemas.microsoft.com/office/drawing/2014/main" id="{D2836531-35EB-4A57-BF20-188B43B309AA}"/>
-                </a:ext>
-              </a:extLst>
-            </p:cNvPr>
-            <p:cNvSpPr txBox="1"/>
-            <p:nvPr/>
-          </p:nvSpPr>
-          <p:spPr>
-            <a:xfrm>
-              <a:off x="6090947" y="2577304"/>
-              <a:ext cx="869149" cy="369332"/>
-            </a:xfrm>
-            <a:prstGeom prst="rect">
-              <a:avLst/>
-            </a:prstGeom>
-            <a:noFill/>
-          </p:spPr>
-          <p:txBody>
-            <a:bodyPr wrap="none" rtlCol="0">
-              <a:spAutoFit/>
-            </a:bodyPr>
-            <a:lstStyle/>
-            <a:p>
-              <a:r>
-                <a:rPr lang="pt-BR" dirty="0">
-                  <a:solidFill>
-                    <a:schemeClr val="accent1">
-                      <a:lumMod val="75000"/>
-                    </a:schemeClr>
-                  </a:solidFill>
-                </a:rPr>
-                <a:t>VRAM</a:t>
-              </a:r>
-            </a:p>
-          </p:txBody>
-        </p:sp>
-        <p:cxnSp>
-          <p:nvCxnSpPr>
-            <p:cNvPr id="43" name="Conector reto 42">
-              <a:extLst>
-                <a:ext uri="{FF2B5EF4-FFF2-40B4-BE49-F238E27FC236}">
-                  <a16:creationId xmlns:a16="http://schemas.microsoft.com/office/drawing/2014/main" id="{A1732984-AC22-4D7D-810F-46BBCFBC5A5E}"/>
-                </a:ext>
-              </a:extLst>
-            </p:cNvPr>
-            <p:cNvCxnSpPr>
-              <a:cxnSpLocks/>
-              <a:endCxn id="44" idx="4"/>
-            </p:cNvCxnSpPr>
-            <p:nvPr/>
-          </p:nvCxnSpPr>
-          <p:spPr>
-            <a:xfrm>
-              <a:off x="5724537" y="2193810"/>
-              <a:ext cx="1334414" cy="3389903"/>
-            </a:xfrm>
-            <a:prstGeom prst="line">
-              <a:avLst/>
-            </a:prstGeom>
-            <a:ln w="28575"/>
-          </p:spPr>
-          <p:style>
-            <a:lnRef idx="1">
-              <a:schemeClr val="accent1"/>
-            </a:lnRef>
-            <a:fillRef idx="0">
-              <a:schemeClr val="accent1"/>
-            </a:fillRef>
-            <a:effectRef idx="0">
-              <a:schemeClr val="accent1"/>
-            </a:effectRef>
-            <a:fontRef idx="minor">
-              <a:schemeClr val="tx1"/>
-            </a:fontRef>
-          </p:style>
-        </p:cxnSp>
-        <p:sp>
-          <p:nvSpPr>
-            <p:cNvPr id="44" name="Triângulo Retângulo 43">
-              <a:extLst>
-                <a:ext uri="{FF2B5EF4-FFF2-40B4-BE49-F238E27FC236}">
-                  <a16:creationId xmlns:a16="http://schemas.microsoft.com/office/drawing/2014/main" id="{B013AE22-6533-46A4-8DE0-EC90393CA070}"/>
-                </a:ext>
-              </a:extLst>
-            </p:cNvPr>
-            <p:cNvSpPr/>
-            <p:nvPr/>
-          </p:nvSpPr>
-          <p:spPr>
-            <a:xfrm>
-              <a:off x="5716262" y="2199337"/>
-              <a:ext cx="1342689" cy="3384376"/>
-            </a:xfrm>
-            <a:prstGeom prst="rtTriangle">
-              <a:avLst/>
-            </a:prstGeom>
-            <a:solidFill>
-              <a:schemeClr val="tx1"/>
-            </a:solidFill>
-            <a:ln>
-              <a:noFill/>
-            </a:ln>
+            <a:effectLst/>
           </p:spPr>
           <p:style>
             <a:lnRef idx="2">
@@ -13647,7 +13874,363 @@
             </a:p>
           </p:txBody>
         </p:sp>
+        <p:sp>
+          <p:nvSpPr>
+            <p:cNvPr id="28" name="Retângulo 27">
+              <a:extLst>
+                <a:ext uri="{FF2B5EF4-FFF2-40B4-BE49-F238E27FC236}">
+                  <a16:creationId xmlns:a16="http://schemas.microsoft.com/office/drawing/2014/main" id="{25EE9289-0CE4-48A1-A863-DE1994692FE7}"/>
+                </a:ext>
+              </a:extLst>
+            </p:cNvPr>
+            <p:cNvSpPr/>
+            <p:nvPr/>
+          </p:nvSpPr>
+          <p:spPr>
+            <a:xfrm>
+              <a:off x="2386311" y="3789040"/>
+              <a:ext cx="3096344" cy="1914508"/>
+            </a:xfrm>
+            <a:prstGeom prst="rect">
+              <a:avLst/>
+            </a:prstGeom>
+            <a:solidFill>
+              <a:schemeClr val="lt1"/>
+            </a:solidFill>
+            <a:ln>
+              <a:noFill/>
+            </a:ln>
+            <a:effectLst/>
+            <a:scene3d>
+              <a:camera prst="orthographicFront">
+                <a:rot lat="0" lon="0" rev="0"/>
+              </a:camera>
+              <a:lightRig rig="chilly" dir="t">
+                <a:rot lat="0" lon="0" rev="18480000"/>
+              </a:lightRig>
+            </a:scene3d>
+            <a:sp3d prstMaterial="clear">
+              <a:bevelT h="63500" prst="convex"/>
+            </a:sp3d>
+          </p:spPr>
+          <p:style>
+            <a:lnRef idx="2">
+              <a:schemeClr val="accent2"/>
+            </a:lnRef>
+            <a:fillRef idx="1">
+              <a:schemeClr val="lt1"/>
+            </a:fillRef>
+            <a:effectRef idx="0">
+              <a:schemeClr val="accent2"/>
+            </a:effectRef>
+            <a:fontRef idx="minor">
+              <a:schemeClr val="dk1"/>
+            </a:fontRef>
+          </p:style>
+          <p:txBody>
+            <a:bodyPr rtlCol="0" anchor="ctr"/>
+            <a:lstStyle/>
+            <a:p>
+              <a:pPr algn="ctr"/>
+              <a:endParaRPr lang="pt-BR"/>
+            </a:p>
+          </p:txBody>
+        </p:sp>
+        <p:sp>
+          <p:nvSpPr>
+            <p:cNvPr id="29" name="Retângulo 28">
+              <a:extLst>
+                <a:ext uri="{FF2B5EF4-FFF2-40B4-BE49-F238E27FC236}">
+                  <a16:creationId xmlns:a16="http://schemas.microsoft.com/office/drawing/2014/main" id="{0EDF78B9-FEA8-4E55-92A9-52418591D4EE}"/>
+                </a:ext>
+              </a:extLst>
+            </p:cNvPr>
+            <p:cNvSpPr/>
+            <p:nvPr/>
+          </p:nvSpPr>
+          <p:spPr>
+            <a:xfrm>
+              <a:off x="2458319" y="3861048"/>
+              <a:ext cx="2958009" cy="1752843"/>
+            </a:xfrm>
+            <a:prstGeom prst="rect">
+              <a:avLst/>
+            </a:prstGeom>
+            <a:solidFill>
+              <a:schemeClr val="tx1"/>
+            </a:solidFill>
+            <a:ln>
+              <a:noFill/>
+            </a:ln>
+            <a:effectLst/>
+          </p:spPr>
+          <p:style>
+            <a:lnRef idx="2">
+              <a:schemeClr val="accent2"/>
+            </a:lnRef>
+            <a:fillRef idx="1">
+              <a:schemeClr val="lt1"/>
+            </a:fillRef>
+            <a:effectRef idx="0">
+              <a:schemeClr val="accent2"/>
+            </a:effectRef>
+            <a:fontRef idx="minor">
+              <a:schemeClr val="dk1"/>
+            </a:fontRef>
+          </p:style>
+          <p:txBody>
+            <a:bodyPr rtlCol="0" anchor="ctr"/>
+            <a:lstStyle/>
+            <a:p>
+              <a:pPr algn="ctr"/>
+              <a:endParaRPr lang="pt-BR"/>
+            </a:p>
+          </p:txBody>
+        </p:sp>
+        <p:sp>
+          <p:nvSpPr>
+            <p:cNvPr id="30" name="Triângulo isósceles 29">
+              <a:extLst>
+                <a:ext uri="{FF2B5EF4-FFF2-40B4-BE49-F238E27FC236}">
+                  <a16:creationId xmlns:a16="http://schemas.microsoft.com/office/drawing/2014/main" id="{B385D4DB-1D03-4F07-844C-C50DD119A826}"/>
+                </a:ext>
+              </a:extLst>
+            </p:cNvPr>
+            <p:cNvSpPr/>
+            <p:nvPr/>
+          </p:nvSpPr>
+          <p:spPr>
+            <a:xfrm>
+              <a:off x="2966744" y="4905229"/>
+              <a:ext cx="437729" cy="431584"/>
+            </a:xfrm>
+            <a:prstGeom prst="triangle">
+              <a:avLst/>
+            </a:prstGeom>
+            <a:solidFill>
+              <a:schemeClr val="accent1">
+                <a:lumMod val="50000"/>
+              </a:schemeClr>
+            </a:solidFill>
+            <a:ln>
+              <a:solidFill>
+                <a:schemeClr val="accent1"/>
+              </a:solidFill>
+            </a:ln>
+          </p:spPr>
+          <p:style>
+            <a:lnRef idx="1">
+              <a:schemeClr val="dk1"/>
+            </a:lnRef>
+            <a:fillRef idx="2">
+              <a:schemeClr val="dk1"/>
+            </a:fillRef>
+            <a:effectRef idx="1">
+              <a:schemeClr val="dk1"/>
+            </a:effectRef>
+            <a:fontRef idx="minor">
+              <a:schemeClr val="dk1"/>
+            </a:fontRef>
+          </p:style>
+          <p:txBody>
+            <a:bodyPr rtlCol="0" anchor="ctr"/>
+            <a:lstStyle/>
+            <a:p>
+              <a:pPr algn="ctr"/>
+              <a:endParaRPr lang="pt-BR"/>
+            </a:p>
+          </p:txBody>
+        </p:sp>
+        <p:cxnSp>
+          <p:nvCxnSpPr>
+            <p:cNvPr id="31" name="Conector reto 30">
+              <a:extLst>
+                <a:ext uri="{FF2B5EF4-FFF2-40B4-BE49-F238E27FC236}">
+                  <a16:creationId xmlns:a16="http://schemas.microsoft.com/office/drawing/2014/main" id="{54A36421-EDAA-4FFE-9868-62158108441C}"/>
+                </a:ext>
+              </a:extLst>
+            </p:cNvPr>
+            <p:cNvCxnSpPr/>
+            <p:nvPr/>
+          </p:nvCxnSpPr>
+          <p:spPr>
+            <a:xfrm>
+              <a:off x="2963186" y="4149080"/>
+              <a:ext cx="1367341" cy="1050412"/>
+            </a:xfrm>
+            <a:prstGeom prst="line">
+              <a:avLst/>
+            </a:prstGeom>
+            <a:ln>
+              <a:solidFill>
+                <a:schemeClr val="accent1"/>
+              </a:solidFill>
+            </a:ln>
+          </p:spPr>
+          <p:style>
+            <a:lnRef idx="1">
+              <a:schemeClr val="accent1"/>
+            </a:lnRef>
+            <a:fillRef idx="0">
+              <a:schemeClr val="accent1"/>
+            </a:fillRef>
+            <a:effectRef idx="0">
+              <a:schemeClr val="accent1"/>
+            </a:effectRef>
+            <a:fontRef idx="minor">
+              <a:schemeClr val="tx1"/>
+            </a:fontRef>
+          </p:style>
+        </p:cxnSp>
+        <p:sp>
+          <p:nvSpPr>
+            <p:cNvPr id="32" name="Estrela de 5 pontas 7">
+              <a:extLst>
+                <a:ext uri="{FF2B5EF4-FFF2-40B4-BE49-F238E27FC236}">
+                  <a16:creationId xmlns:a16="http://schemas.microsoft.com/office/drawing/2014/main" id="{BEC05C86-796E-41A7-954D-68E4E4FD4017}"/>
+                </a:ext>
+              </a:extLst>
+            </p:cNvPr>
+            <p:cNvSpPr/>
+            <p:nvPr/>
+          </p:nvSpPr>
+          <p:spPr>
+            <a:xfrm>
+              <a:off x="4178549" y="4255226"/>
+              <a:ext cx="582556" cy="546356"/>
+            </a:xfrm>
+            <a:prstGeom prst="star5">
+              <a:avLst/>
+            </a:prstGeom>
+            <a:solidFill>
+              <a:schemeClr val="accent1">
+                <a:lumMod val="50000"/>
+              </a:schemeClr>
+            </a:solidFill>
+            <a:ln>
+              <a:solidFill>
+                <a:schemeClr val="accent1"/>
+              </a:solidFill>
+            </a:ln>
+          </p:spPr>
+          <p:style>
+            <a:lnRef idx="1">
+              <a:schemeClr val="accent1"/>
+            </a:lnRef>
+            <a:fillRef idx="3">
+              <a:schemeClr val="accent1"/>
+            </a:fillRef>
+            <a:effectRef idx="2">
+              <a:schemeClr val="accent1"/>
+            </a:effectRef>
+            <a:fontRef idx="minor">
+              <a:schemeClr val="lt1"/>
+            </a:fontRef>
+          </p:style>
+          <p:txBody>
+            <a:bodyPr rtlCol="0" anchor="ctr"/>
+            <a:lstStyle/>
+            <a:p>
+              <a:pPr algn="ctr"/>
+              <a:endParaRPr lang="pt-BR"/>
+            </a:p>
+          </p:txBody>
+        </p:sp>
+        <p:sp>
+          <p:nvSpPr>
+            <p:cNvPr id="33" name="CaixaDeTexto 32">
+              <a:extLst>
+                <a:ext uri="{FF2B5EF4-FFF2-40B4-BE49-F238E27FC236}">
+                  <a16:creationId xmlns:a16="http://schemas.microsoft.com/office/drawing/2014/main" id="{AF38B06E-F64A-45C2-9CC0-FAEBB23F6C4E}"/>
+                </a:ext>
+              </a:extLst>
+            </p:cNvPr>
+            <p:cNvSpPr txBox="1"/>
+            <p:nvPr/>
+          </p:nvSpPr>
+          <p:spPr>
+            <a:xfrm>
+              <a:off x="3555752" y="5545847"/>
+              <a:ext cx="722731" cy="388991"/>
+            </a:xfrm>
+            <a:prstGeom prst="rect">
+              <a:avLst/>
+            </a:prstGeom>
+            <a:noFill/>
+          </p:spPr>
+          <p:txBody>
+            <a:bodyPr wrap="none" rtlCol="0">
+              <a:spAutoFit/>
+            </a:bodyPr>
+            <a:lstStyle/>
+            <a:p>
+              <a:r>
+                <a:rPr lang="pt-BR" sz="500" dirty="0"/>
+                <a:t>Tela</a:t>
+              </a:r>
+              <a:endParaRPr lang="pt-BR" sz="700" dirty="0"/>
+            </a:p>
+          </p:txBody>
+        </p:sp>
       </p:grpSp>
+      <p:sp>
+        <p:nvSpPr>
+          <p:cNvPr id="34" name="Seta para baixo 44">
+            <a:extLst>
+              <a:ext uri="{FF2B5EF4-FFF2-40B4-BE49-F238E27FC236}">
+                <a16:creationId xmlns:a16="http://schemas.microsoft.com/office/drawing/2014/main" id="{44BF57B2-6DF7-4024-AE8E-497D33E2DD48}"/>
+              </a:ext>
+            </a:extLst>
+          </p:cNvPr>
+          <p:cNvSpPr/>
+          <p:nvPr/>
+        </p:nvSpPr>
+        <p:spPr>
+          <a:xfrm>
+            <a:off x="10057934" y="4536563"/>
+            <a:ext cx="171151" cy="242222"/>
+          </a:xfrm>
+          <a:prstGeom prst="downArrow">
+            <a:avLst/>
+          </a:prstGeom>
+          <a:solidFill>
+            <a:schemeClr val="accent1">
+              <a:lumMod val="50000"/>
+            </a:schemeClr>
+          </a:solidFill>
+          <a:ln>
+            <a:solidFill>
+              <a:schemeClr val="accent1"/>
+            </a:solidFill>
+          </a:ln>
+        </p:spPr>
+        <p:style>
+          <a:lnRef idx="1">
+            <a:schemeClr val="accent1"/>
+          </a:lnRef>
+          <a:fillRef idx="2">
+            <a:schemeClr val="accent1"/>
+          </a:fillRef>
+          <a:effectRef idx="1">
+            <a:schemeClr val="accent1"/>
+          </a:effectRef>
+          <a:fontRef idx="minor">
+            <a:schemeClr val="dk1"/>
+          </a:fontRef>
+        </p:style>
+        <p:txBody>
+          <a:bodyPr rtlCol="0" anchor="ctr"/>
+          <a:lstStyle/>
+          <a:p>
+            <a:pPr algn="ctr"/>
+            <a:endParaRPr lang="pt-BR">
+              <a:solidFill>
+                <a:schemeClr val="tx1"/>
+              </a:solidFill>
+            </a:endParaRPr>
+          </a:p>
+        </p:txBody>
+      </p:sp>
     </p:spTree>
     <p:extLst>
       <p:ext uri="{BB962C8B-B14F-4D97-AF65-F5344CB8AC3E}">
